--- a/docs/diagrams/DistributeSequenceDiagram.pptx
+++ b/docs/diagrams/DistributeSequenceDiagram.pptx
@@ -199,7 +199,7 @@
           <a:p>
             <a:fld id="{D54ACF14-8131-410A-B638-7D74DAF310FB}" type="datetimeFigureOut">
               <a:rPr lang="en-SG" smtClean="0"/>
-              <a:t>29/10/2018</a:t>
+              <a:t>7/11/2018</a:t>
             </a:fld>
             <a:endParaRPr lang="en-SG"/>
           </a:p>
@@ -784,7 +784,7 @@
           <a:p>
             <a:fld id="{C6FCF0AC-6F18-4888-8D49-71E482610323}" type="datetimeFigureOut">
               <a:rPr lang="en-SG" smtClean="0"/>
-              <a:t>29/10/2018</a:t>
+              <a:t>7/11/2018</a:t>
             </a:fld>
             <a:endParaRPr lang="en-SG"/>
           </a:p>
@@ -984,7 +984,7 @@
           <a:p>
             <a:fld id="{C6FCF0AC-6F18-4888-8D49-71E482610323}" type="datetimeFigureOut">
               <a:rPr lang="en-SG" smtClean="0"/>
-              <a:t>29/10/2018</a:t>
+              <a:t>7/11/2018</a:t>
             </a:fld>
             <a:endParaRPr lang="en-SG"/>
           </a:p>
@@ -1194,7 +1194,7 @@
           <a:p>
             <a:fld id="{C6FCF0AC-6F18-4888-8D49-71E482610323}" type="datetimeFigureOut">
               <a:rPr lang="en-SG" smtClean="0"/>
-              <a:t>29/10/2018</a:t>
+              <a:t>7/11/2018</a:t>
             </a:fld>
             <a:endParaRPr lang="en-SG"/>
           </a:p>
@@ -1394,7 +1394,7 @@
           <a:p>
             <a:fld id="{C6FCF0AC-6F18-4888-8D49-71E482610323}" type="datetimeFigureOut">
               <a:rPr lang="en-SG" smtClean="0"/>
-              <a:t>29/10/2018</a:t>
+              <a:t>7/11/2018</a:t>
             </a:fld>
             <a:endParaRPr lang="en-SG"/>
           </a:p>
@@ -1670,7 +1670,7 @@
           <a:p>
             <a:fld id="{C6FCF0AC-6F18-4888-8D49-71E482610323}" type="datetimeFigureOut">
               <a:rPr lang="en-SG" smtClean="0"/>
-              <a:t>29/10/2018</a:t>
+              <a:t>7/11/2018</a:t>
             </a:fld>
             <a:endParaRPr lang="en-SG"/>
           </a:p>
@@ -1938,7 +1938,7 @@
           <a:p>
             <a:fld id="{C6FCF0AC-6F18-4888-8D49-71E482610323}" type="datetimeFigureOut">
               <a:rPr lang="en-SG" smtClean="0"/>
-              <a:t>29/10/2018</a:t>
+              <a:t>7/11/2018</a:t>
             </a:fld>
             <a:endParaRPr lang="en-SG"/>
           </a:p>
@@ -2353,7 +2353,7 @@
           <a:p>
             <a:fld id="{C6FCF0AC-6F18-4888-8D49-71E482610323}" type="datetimeFigureOut">
               <a:rPr lang="en-SG" smtClean="0"/>
-              <a:t>29/10/2018</a:t>
+              <a:t>7/11/2018</a:t>
             </a:fld>
             <a:endParaRPr lang="en-SG"/>
           </a:p>
@@ -2495,7 +2495,7 @@
           <a:p>
             <a:fld id="{C6FCF0AC-6F18-4888-8D49-71E482610323}" type="datetimeFigureOut">
               <a:rPr lang="en-SG" smtClean="0"/>
-              <a:t>29/10/2018</a:t>
+              <a:t>7/11/2018</a:t>
             </a:fld>
             <a:endParaRPr lang="en-SG"/>
           </a:p>
@@ -2608,7 +2608,7 @@
           <a:p>
             <a:fld id="{C6FCF0AC-6F18-4888-8D49-71E482610323}" type="datetimeFigureOut">
               <a:rPr lang="en-SG" smtClean="0"/>
-              <a:t>29/10/2018</a:t>
+              <a:t>7/11/2018</a:t>
             </a:fld>
             <a:endParaRPr lang="en-SG"/>
           </a:p>
@@ -2921,7 +2921,7 @@
           <a:p>
             <a:fld id="{C6FCF0AC-6F18-4888-8D49-71E482610323}" type="datetimeFigureOut">
               <a:rPr lang="en-SG" smtClean="0"/>
-              <a:t>29/10/2018</a:t>
+              <a:t>7/11/2018</a:t>
             </a:fld>
             <a:endParaRPr lang="en-SG"/>
           </a:p>
@@ -3210,7 +3210,7 @@
           <a:p>
             <a:fld id="{C6FCF0AC-6F18-4888-8D49-71E482610323}" type="datetimeFigureOut">
               <a:rPr lang="en-SG" smtClean="0"/>
-              <a:t>29/10/2018</a:t>
+              <a:t>7/11/2018</a:t>
             </a:fld>
             <a:endParaRPr lang="en-SG"/>
           </a:p>
@@ -3453,7 +3453,7 @@
           <a:p>
             <a:fld id="{C6FCF0AC-6F18-4888-8D49-71E482610323}" type="datetimeFigureOut">
               <a:rPr lang="en-SG" smtClean="0"/>
-              <a:t>29/10/2018</a:t>
+              <a:t>7/11/2018</a:t>
             </a:fld>
             <a:endParaRPr lang="en-SG"/>
           </a:p>
@@ -3872,6 +3872,58 @@
       </p:grpSpPr>
       <p:sp>
         <p:nvSpPr>
+          <p:cNvPr id="5" name="Rectangle: Rounded Corners 4">
+            <a:extLst>
+              <a:ext uri="{FF2B5EF4-FFF2-40B4-BE49-F238E27FC236}">
+                <a16:creationId xmlns:a16="http://schemas.microsoft.com/office/drawing/2014/main" id="{7536FA76-4559-41E0-88BE-5F5344511C17}"/>
+              </a:ext>
+            </a:extLst>
+          </p:cNvPr>
+          <p:cNvSpPr/>
+          <p:nvPr/>
+        </p:nvSpPr>
+        <p:spPr>
+          <a:xfrm>
+            <a:off x="12117570" y="0"/>
+            <a:ext cx="2650294" cy="8445863"/>
+          </a:xfrm>
+          <a:prstGeom prst="roundRect">
+            <a:avLst>
+              <a:gd name="adj" fmla="val 3134"/>
+            </a:avLst>
+          </a:prstGeom>
+          <a:solidFill>
+            <a:srgbClr val="DBEEF4"/>
+          </a:solidFill>
+          <a:ln>
+            <a:noFill/>
+          </a:ln>
+        </p:spPr>
+        <p:style>
+          <a:lnRef idx="1">
+            <a:schemeClr val="accent2"/>
+          </a:lnRef>
+          <a:fillRef idx="2">
+            <a:schemeClr val="accent2"/>
+          </a:fillRef>
+          <a:effectRef idx="1">
+            <a:schemeClr val="accent2"/>
+          </a:effectRef>
+          <a:fontRef idx="minor">
+            <a:schemeClr val="dk1"/>
+          </a:fontRef>
+        </p:style>
+        <p:txBody>
+          <a:bodyPr rtlCol="0" anchor="ctr"/>
+          <a:lstStyle/>
+          <a:p>
+            <a:pPr algn="ctr"/>
+            <a:endParaRPr lang="en-SG" dirty="0"/>
+          </a:p>
+        </p:txBody>
+      </p:sp>
+      <p:sp>
+        <p:nvSpPr>
           <p:cNvPr id="294" name="Rectangle: Rounded Corners 293">
             <a:extLst>
               <a:ext uri="{FF2B5EF4-FFF2-40B4-BE49-F238E27FC236}">
@@ -3884,7 +3936,7 @@
         </p:nvSpPr>
         <p:spPr>
           <a:xfrm>
-            <a:off x="14779469" y="-26937"/>
+            <a:off x="14779469" y="34023"/>
             <a:ext cx="6823712" cy="8472800"/>
           </a:xfrm>
           <a:prstGeom prst="roundRect">
@@ -4142,61 +4194,6 @@
       </p:sp>
       <p:sp>
         <p:nvSpPr>
-          <p:cNvPr id="5" name="Rectangle: Rounded Corners 4">
-            <a:extLst>
-              <a:ext uri="{FF2B5EF4-FFF2-40B4-BE49-F238E27FC236}">
-                <a16:creationId xmlns:a16="http://schemas.microsoft.com/office/drawing/2014/main" id="{7536FA76-4559-41E0-88BE-5F5344511C17}"/>
-              </a:ext>
-            </a:extLst>
-          </p:cNvPr>
-          <p:cNvSpPr/>
-          <p:nvPr/>
-        </p:nvSpPr>
-        <p:spPr>
-          <a:xfrm>
-            <a:off x="12117570" y="0"/>
-            <a:ext cx="2650294" cy="8445863"/>
-          </a:xfrm>
-          <a:prstGeom prst="roundRect">
-            <a:avLst>
-              <a:gd name="adj" fmla="val 3134"/>
-            </a:avLst>
-          </a:prstGeom>
-          <a:solidFill>
-            <a:schemeClr val="accent4">
-              <a:lumMod val="20000"/>
-              <a:lumOff val="80000"/>
-            </a:schemeClr>
-          </a:solidFill>
-          <a:ln>
-            <a:noFill/>
-          </a:ln>
-        </p:spPr>
-        <p:style>
-          <a:lnRef idx="1">
-            <a:schemeClr val="accent2"/>
-          </a:lnRef>
-          <a:fillRef idx="2">
-            <a:schemeClr val="accent2"/>
-          </a:fillRef>
-          <a:effectRef idx="1">
-            <a:schemeClr val="accent2"/>
-          </a:effectRef>
-          <a:fontRef idx="minor">
-            <a:schemeClr val="dk1"/>
-          </a:fontRef>
-        </p:style>
-        <p:txBody>
-          <a:bodyPr rtlCol="0" anchor="ctr"/>
-          <a:lstStyle/>
-          <a:p>
-            <a:pPr algn="ctr"/>
-            <a:endParaRPr lang="en-SG" dirty="0"/>
-          </a:p>
-        </p:txBody>
-      </p:sp>
-      <p:sp>
-        <p:nvSpPr>
           <p:cNvPr id="20" name="Rectangle 62">
             <a:extLst>
               <a:ext uri="{FF2B5EF4-FFF2-40B4-BE49-F238E27FC236}">
@@ -5115,9 +5112,13 @@
             <a:avLst/>
           </a:prstGeom>
           <a:solidFill>
-            <a:srgbClr val="FF9933"/>
+            <a:srgbClr val="31859C"/>
           </a:solidFill>
-          <a:ln/>
+          <a:ln>
+            <a:solidFill>
+              <a:schemeClr val="tx1"/>
+            </a:solidFill>
+          </a:ln>
         </p:spPr>
         <p:style>
           <a:lnRef idx="1">
@@ -5185,7 +5186,7 @@
           </a:prstGeom>
           <a:ln w="19050">
             <a:solidFill>
-              <a:srgbClr val="FF9933"/>
+              <a:srgbClr val="31859C"/>
             </a:solidFill>
             <a:prstDash val="sysDash"/>
           </a:ln>
@@ -7092,7 +7093,7 @@
             <a:avLst/>
           </a:prstGeom>
           <a:solidFill>
-            <a:srgbClr val="FF9933"/>
+            <a:srgbClr val="31859C"/>
           </a:solidFill>
           <a:ln>
             <a:solidFill>
@@ -7613,7 +7614,7 @@
             <a:avLst/>
           </a:prstGeom>
           <a:solidFill>
-            <a:srgbClr val="FF9933"/>
+            <a:srgbClr val="31859C"/>
           </a:solidFill>
           <a:ln>
             <a:solidFill>
@@ -7678,7 +7679,7 @@
             <a:avLst/>
           </a:prstGeom>
           <a:solidFill>
-            <a:srgbClr val="FF9933"/>
+            <a:srgbClr val="31859C"/>
           </a:solidFill>
           <a:ln>
             <a:solidFill>
@@ -7743,7 +7744,7 @@
             <a:avLst/>
           </a:prstGeom>
           <a:solidFill>
-            <a:srgbClr val="FF9933"/>
+            <a:srgbClr val="31859C"/>
           </a:solidFill>
           <a:ln>
             <a:solidFill>
@@ -7981,7 +7982,7 @@
           </a:prstGeom>
           <a:ln w="19050">
             <a:solidFill>
-              <a:srgbClr val="FF9933"/>
+              <a:srgbClr val="31859C"/>
             </a:solidFill>
             <a:tailEnd type="triangle"/>
           </a:ln>
@@ -8106,7 +8107,7 @@
             <a:avLst/>
           </a:prstGeom>
           <a:solidFill>
-            <a:srgbClr val="FF9933"/>
+            <a:srgbClr val="31859C"/>
           </a:solidFill>
           <a:ln>
             <a:solidFill>
@@ -8171,7 +8172,7 @@
             <a:avLst/>
           </a:prstGeom>
           <a:solidFill>
-            <a:srgbClr val="FF9933"/>
+            <a:srgbClr val="31859C"/>
           </a:solidFill>
           <a:ln>
             <a:solidFill>
@@ -8236,7 +8237,7 @@
             <a:avLst/>
           </a:prstGeom>
           <a:solidFill>
-            <a:srgbClr val="FF9933"/>
+            <a:srgbClr val="31859C"/>
           </a:solidFill>
           <a:ln>
             <a:solidFill>
@@ -8581,20 +8582,22 @@
               </a:ext>
             </a:extLst>
           </p:cNvPr>
-          <p:cNvCxnSpPr/>
+          <p:cNvCxnSpPr>
+            <a:cxnSpLocks/>
+          </p:cNvCxnSpPr>
           <p:nvPr/>
         </p:nvCxnSpPr>
         <p:spPr>
           <a:xfrm>
-            <a:off x="13751233" y="5510045"/>
-            <a:ext cx="2155769" cy="0"/>
+            <a:off x="13773697" y="5510045"/>
+            <a:ext cx="2133305" cy="0"/>
           </a:xfrm>
           <a:prstGeom prst="straightConnector1">
             <a:avLst/>
           </a:prstGeom>
           <a:ln w="19050">
             <a:solidFill>
-              <a:srgbClr val="FF9933"/>
+              <a:srgbClr val="31859C"/>
             </a:solidFill>
             <a:tailEnd type="triangle"/>
           </a:ln>
@@ -8638,7 +8641,7 @@
           </a:prstGeom>
           <a:ln w="19050">
             <a:solidFill>
-              <a:srgbClr val="FF9933"/>
+              <a:srgbClr val="31859C"/>
             </a:solidFill>
             <a:tailEnd type="triangle"/>
           </a:ln>
@@ -8679,7 +8682,7 @@
             <a:avLst/>
           </a:prstGeom>
           <a:solidFill>
-            <a:srgbClr val="FF9933"/>
+            <a:srgbClr val="31859C"/>
           </a:solidFill>
           <a:ln>
             <a:solidFill>
@@ -8788,7 +8791,7 @@
             <a:avLst/>
           </a:prstGeom>
           <a:solidFill>
-            <a:srgbClr val="FF9933"/>
+            <a:srgbClr val="31859C"/>
           </a:solidFill>
           <a:ln>
             <a:solidFill>
@@ -8897,7 +8900,7 @@
             <a:avLst/>
           </a:prstGeom>
           <a:solidFill>
-            <a:srgbClr val="FF9933"/>
+            <a:srgbClr val="31859C"/>
           </a:solidFill>
           <a:ln>
             <a:solidFill>
@@ -9006,7 +9009,7 @@
             <a:avLst/>
           </a:prstGeom>
           <a:solidFill>
-            <a:srgbClr val="FF9933"/>
+            <a:srgbClr val="31859C"/>
           </a:solidFill>
           <a:ln>
             <a:solidFill>
@@ -9154,7 +9157,7 @@
           </a:prstGeom>
           <a:ln w="19050">
             <a:solidFill>
-              <a:srgbClr val="FF9933"/>
+              <a:srgbClr val="31859C"/>
             </a:solidFill>
             <a:tailEnd type="triangle"/>
           </a:ln>
@@ -9198,7 +9201,7 @@
           </a:prstGeom>
           <a:ln w="19050">
             <a:solidFill>
-              <a:srgbClr val="FF9933"/>
+              <a:srgbClr val="31859C"/>
             </a:solidFill>
             <a:tailEnd type="triangle"/>
           </a:ln>
@@ -9433,7 +9436,7 @@
           </a:prstGeom>
           <a:ln w="19050">
             <a:solidFill>
-              <a:srgbClr val="FF9933"/>
+              <a:srgbClr val="31859C"/>
             </a:solidFill>
             <a:tailEnd type="triangle"/>
           </a:ln>
@@ -9766,7 +9769,7 @@
           </a:prstGeom>
           <a:ln w="19050">
             <a:solidFill>
-              <a:srgbClr val="FF9933"/>
+              <a:srgbClr val="31859C"/>
             </a:solidFill>
             <a:prstDash val="sysDash"/>
             <a:headEnd type="arrow" w="med" len="med"/>
@@ -10428,7 +10431,7 @@
           </a:prstGeom>
           <a:ln w="19050">
             <a:solidFill>
-              <a:srgbClr val="FF9933"/>
+              <a:srgbClr val="31859C"/>
             </a:solidFill>
             <a:prstDash val="sysDash"/>
             <a:headEnd type="arrow" w="med" len="med"/>
@@ -11402,7 +11405,7 @@
           </a:prstGeom>
           <a:ln w="19050">
             <a:solidFill>
-              <a:srgbClr val="FF9933"/>
+              <a:srgbClr val="31859C"/>
             </a:solidFill>
             <a:prstDash val="sysDash"/>
             <a:headEnd type="arrow" w="med" len="med"/>
@@ -11448,7 +11451,7 @@
           </a:prstGeom>
           <a:ln w="19050">
             <a:solidFill>
-              <a:srgbClr val="FF9933"/>
+              <a:srgbClr val="31859C"/>
             </a:solidFill>
             <a:prstDash val="sysDash"/>
             <a:headEnd type="arrow" w="med" len="med"/>
@@ -11494,7 +11497,7 @@
           </a:prstGeom>
           <a:ln w="19050">
             <a:solidFill>
-              <a:srgbClr val="FF9933"/>
+              <a:srgbClr val="31859C"/>
             </a:solidFill>
             <a:prstDash val="sysDash"/>
             <a:headEnd type="arrow" w="med" len="med"/>
@@ -11532,15 +11535,15 @@
         </p:nvCxnSpPr>
         <p:spPr>
           <a:xfrm>
-            <a:off x="13733010" y="6771740"/>
-            <a:ext cx="5598454" cy="0"/>
+            <a:off x="13773697" y="6771740"/>
+            <a:ext cx="5557767" cy="0"/>
           </a:xfrm>
           <a:prstGeom prst="straightConnector1">
             <a:avLst/>
           </a:prstGeom>
           <a:ln w="19050">
             <a:solidFill>
-              <a:srgbClr val="FF9933"/>
+              <a:srgbClr val="31859C"/>
             </a:solidFill>
             <a:prstDash val="sysDash"/>
             <a:headEnd type="arrow" w="med" len="med"/>
@@ -13310,7 +13313,7 @@
         </p:nvSpPr>
         <p:spPr>
           <a:xfrm>
-            <a:off x="12117570" y="0"/>
+            <a:off x="12106048" y="-2"/>
             <a:ext cx="2650294" cy="8445863"/>
           </a:xfrm>
           <a:prstGeom prst="roundRect">
@@ -13319,10 +13322,7 @@
             </a:avLst>
           </a:prstGeom>
           <a:solidFill>
-            <a:schemeClr val="accent4">
-              <a:lumMod val="20000"/>
-              <a:lumOff val="80000"/>
-            </a:schemeClr>
+            <a:srgbClr val="93CDDD"/>
           </a:solidFill>
           <a:ln>
             <a:noFill/>
@@ -15357,7 +15357,7 @@
             <a:r>
               <a:rPr lang="en-US" sz="1200" b="1" dirty="0">
                 <a:solidFill>
-                  <a:srgbClr val="00B050"/>
+                  <a:srgbClr val="0070C0"/>
                 </a:solidFill>
               </a:rPr>
               <a:t>LOGIC</a:t>
@@ -15396,7 +15396,7 @@
             <a:r>
               <a:rPr lang="en-US" sz="1200" b="1" dirty="0">
                 <a:solidFill>
-                  <a:srgbClr val="00B050"/>
+                  <a:srgbClr val="31859C"/>
                 </a:solidFill>
               </a:rPr>
               <a:t>Commons</a:t>
@@ -16717,7 +16717,7 @@
         </p:nvSpPr>
         <p:spPr>
           <a:xfrm>
-            <a:off x="12039241" y="4462772"/>
+            <a:off x="12039241" y="4444992"/>
             <a:ext cx="1443600" cy="200055"/>
           </a:xfrm>
           <a:prstGeom prst="rect">
@@ -16733,7 +16733,7 @@
             <a:r>
               <a:rPr lang="en-US" sz="700" dirty="0">
                 <a:solidFill>
-                  <a:srgbClr val="FF9933"/>
+                  <a:srgbClr val="31859C"/>
                 </a:solidFill>
               </a:rPr>
               <a:t>distributionProcess(b ,d)</a:t>
@@ -16771,7 +16771,7 @@
             <a:r>
               <a:rPr lang="en-US" sz="700" dirty="0">
                 <a:solidFill>
-                  <a:srgbClr val="FF9933"/>
+                  <a:srgbClr val="31859C"/>
                 </a:solidFill>
               </a:rPr>
               <a:t>createNationalityMap(c)</a:t>
@@ -17033,7 +17033,7 @@
             <a:r>
               <a:rPr lang="en-US" sz="700" dirty="0">
                 <a:solidFill>
-                  <a:srgbClr val="FF9933"/>
+                  <a:srgbClr val="31859C"/>
                 </a:solidFill>
               </a:rPr>
               <a:t>findPerson(e, c)</a:t>
@@ -17071,7 +17071,7 @@
             <a:r>
               <a:rPr lang="en-US" sz="700" dirty="0">
                 <a:solidFill>
-                  <a:srgbClr val="FF9933"/>
+                  <a:srgbClr val="31859C"/>
                 </a:solidFill>
               </a:rPr>
               <a:t>selectiveDistributionByNationality(e, c)</a:t>
@@ -17109,7 +17109,7 @@
             <a:r>
               <a:rPr lang="en-US" sz="700" dirty="0">
                 <a:solidFill>
-                  <a:srgbClr val="FF9933"/>
+                  <a:srgbClr val="31859C"/>
                 </a:solidFill>
               </a:rPr>
               <a:t>distributionProcess(b ,d)</a:t>
@@ -17323,7 +17323,7 @@
             <a:r>
               <a:rPr lang="en-US" sz="700" dirty="0">
                 <a:solidFill>
-                  <a:srgbClr val="FF9933"/>
+                  <a:srgbClr val="31859C"/>
                 </a:solidFill>
               </a:rPr>
               <a:t>distributionProcess(b ,d)</a:t>
@@ -17361,7 +17361,7 @@
             <a:r>
               <a:rPr lang="en-US" sz="700" dirty="0">
                 <a:solidFill>
-                  <a:srgbClr val="FF9933"/>
+                  <a:srgbClr val="31859C"/>
                 </a:solidFill>
               </a:rPr>
               <a:t>filterGender(c, g, M)</a:t>
@@ -17399,7 +17399,7 @@
             <a:r>
               <a:rPr lang="en-US" sz="700" dirty="0">
                 <a:solidFill>
-                  <a:srgbClr val="FF9933"/>
+                  <a:srgbClr val="31859C"/>
                 </a:solidFill>
               </a:rPr>
               <a:t>filterGender(c, g, F)</a:t>
@@ -17437,7 +17437,7 @@
             <a:r>
               <a:rPr lang="en-US" sz="700" dirty="0">
                 <a:solidFill>
-                  <a:srgbClr val="FF9933"/>
+                  <a:srgbClr val="31859C"/>
                 </a:solidFill>
               </a:rPr>
               <a:t>selectiveDistributionByGender(e, c)</a:t>
@@ -17475,7 +17475,7 @@
             <a:r>
               <a:rPr lang="en-US" sz="700" dirty="0">
                 <a:solidFill>
-                  <a:srgbClr val="FF9933"/>
+                  <a:srgbClr val="31859C"/>
                 </a:solidFill>
               </a:rPr>
               <a:t>selectiveDistributionByGender(e, c)</a:t>
@@ -17512,7 +17512,11 @@
           <a:p>
             <a:pPr algn="ctr"/>
             <a:r>
-              <a:rPr lang="en-US" sz="1600" b="1" dirty="0"/>
+              <a:rPr lang="en-US" sz="1600" b="1" dirty="0">
+                <a:solidFill>
+                  <a:srgbClr val="31859C"/>
+                </a:solidFill>
+              </a:rPr>
               <a:t>Continue at Next Diagram</a:t>
             </a:r>
           </a:p>
@@ -17571,10 +17575,7 @@
             </a:avLst>
           </a:prstGeom>
           <a:solidFill>
-            <a:schemeClr val="accent4">
-              <a:lumMod val="20000"/>
-              <a:lumOff val="80000"/>
-            </a:schemeClr>
+            <a:srgbClr val="93CDDD"/>
           </a:solidFill>
           <a:ln>
             <a:noFill/>
@@ -17788,9 +17789,13 @@
             <a:avLst/>
           </a:prstGeom>
           <a:solidFill>
-            <a:srgbClr val="FF9933"/>
+            <a:srgbClr val="31859C"/>
           </a:solidFill>
-          <a:ln/>
+          <a:ln>
+            <a:solidFill>
+              <a:schemeClr val="tx1"/>
+            </a:solidFill>
+          </a:ln>
         </p:spPr>
         <p:style>
           <a:lnRef idx="1">
@@ -17858,7 +17863,7 @@
           </a:prstGeom>
           <a:ln w="19050">
             <a:solidFill>
-              <a:srgbClr val="FF9933"/>
+              <a:srgbClr val="31859C"/>
             </a:solidFill>
             <a:prstDash val="sysDash"/>
           </a:ln>
@@ -17900,7 +17905,7 @@
             <a:avLst/>
           </a:prstGeom>
           <a:solidFill>
-            <a:srgbClr val="FF9933"/>
+            <a:srgbClr val="31859C"/>
           </a:solidFill>
           <a:ln>
             <a:solidFill>
@@ -17965,7 +17970,7 @@
             <a:avLst/>
           </a:prstGeom>
           <a:solidFill>
-            <a:srgbClr val="FF9933"/>
+            <a:srgbClr val="31859C"/>
           </a:solidFill>
           <a:ln>
             <a:solidFill>
@@ -18030,7 +18035,7 @@
             <a:avLst/>
           </a:prstGeom>
           <a:solidFill>
-            <a:srgbClr val="FF9933"/>
+            <a:srgbClr val="31859C"/>
           </a:solidFill>
           <a:ln>
             <a:solidFill>
@@ -18098,7 +18103,7 @@
           </a:prstGeom>
           <a:ln w="19050">
             <a:solidFill>
-              <a:srgbClr val="FF9933"/>
+              <a:srgbClr val="31859C"/>
             </a:solidFill>
             <a:tailEnd type="triangle"/>
           </a:ln>
@@ -18139,7 +18144,7 @@
             <a:avLst/>
           </a:prstGeom>
           <a:solidFill>
-            <a:srgbClr val="FF9933"/>
+            <a:srgbClr val="31859C"/>
           </a:solidFill>
           <a:ln>
             <a:solidFill>
@@ -18204,7 +18209,7 @@
             <a:avLst/>
           </a:prstGeom>
           <a:solidFill>
-            <a:srgbClr val="FF9933"/>
+            <a:srgbClr val="31859C"/>
           </a:solidFill>
           <a:ln>
             <a:solidFill>
@@ -18272,7 +18277,7 @@
           </a:prstGeom>
           <a:ln w="19050">
             <a:solidFill>
-              <a:srgbClr val="FF9933"/>
+              <a:srgbClr val="31859C"/>
             </a:solidFill>
             <a:tailEnd type="triangle"/>
           </a:ln>
@@ -18316,7 +18321,7 @@
           </a:prstGeom>
           <a:ln w="19050">
             <a:solidFill>
-              <a:srgbClr val="FF9933"/>
+              <a:srgbClr val="31859C"/>
             </a:solidFill>
             <a:tailEnd type="triangle"/>
           </a:ln>
@@ -18367,7 +18372,7 @@
             <a:r>
               <a:rPr lang="en-US" sz="1200" b="1" dirty="0">
                 <a:solidFill>
-                  <a:srgbClr val="00B050"/>
+                  <a:srgbClr val="0070C0"/>
                 </a:solidFill>
               </a:rPr>
               <a:t>Logic</a:t>
@@ -18399,7 +18404,7 @@
           </a:prstGeom>
           <a:ln w="19050">
             <a:solidFill>
-              <a:srgbClr val="FF9933"/>
+              <a:srgbClr val="31859C"/>
             </a:solidFill>
             <a:tailEnd type="triangle"/>
           </a:ln>
@@ -18447,22 +18452,42 @@
           <a:lstStyle/>
           <a:p>
             <a:r>
-              <a:rPr lang="en-US" sz="700" dirty="0"/>
+              <a:rPr lang="en-US" sz="700" dirty="0">
+                <a:solidFill>
+                  <a:srgbClr val="31859C"/>
+                </a:solidFill>
+              </a:rPr>
               <a:t>createGroupWithout</a:t>
             </a:r>
           </a:p>
           <a:p>
             <a:r>
-              <a:rPr lang="en-US" sz="700" dirty="0"/>
+              <a:rPr lang="en-US" sz="700" dirty="0">
+                <a:solidFill>
+                  <a:srgbClr val="31859C"/>
+                </a:solidFill>
+              </a:rPr>
               <a:t>Commit(grp, mdl)</a:t>
             </a:r>
             <a:br>
-              <a:rPr lang="en-US" sz="700" dirty="0"/>
+              <a:rPr lang="en-US" sz="700" dirty="0">
+                <a:solidFill>
+                  <a:srgbClr val="31859C"/>
+                </a:solidFill>
+              </a:rPr>
             </a:br>
-            <a:endParaRPr lang="en-US" sz="700" dirty="0"/>
-          </a:p>
-          <a:p>
-            <a:endParaRPr lang="en-US" sz="700" dirty="0"/>
+            <a:endParaRPr lang="en-US" sz="700" dirty="0">
+              <a:solidFill>
+                <a:srgbClr val="31859C"/>
+              </a:solidFill>
+            </a:endParaRPr>
+          </a:p>
+          <a:p>
+            <a:endParaRPr lang="en-US" sz="700" dirty="0">
+              <a:solidFill>
+                <a:srgbClr val="31859C"/>
+              </a:solidFill>
+            </a:endParaRPr>
           </a:p>
         </p:txBody>
       </p:sp>
@@ -18607,7 +18632,7 @@
           </a:prstGeom>
           <a:ln w="19050">
             <a:solidFill>
-              <a:srgbClr val="FF9933"/>
+              <a:srgbClr val="31859C"/>
             </a:solidFill>
             <a:prstDash val="sysDash"/>
             <a:headEnd type="arrow" w="med" len="med"/>
@@ -19271,7 +19296,7 @@
           </a:prstGeom>
           <a:ln w="19050">
             <a:solidFill>
-              <a:srgbClr val="FF9933"/>
+              <a:srgbClr val="31859C"/>
             </a:solidFill>
             <a:prstDash val="sysDash"/>
             <a:headEnd type="arrow" w="med" len="med"/>
@@ -19444,7 +19469,7 @@
           </a:prstGeom>
           <a:ln w="19050">
             <a:solidFill>
-              <a:srgbClr val="FF9933"/>
+              <a:srgbClr val="31859C"/>
             </a:solidFill>
             <a:prstDash val="sysDash"/>
             <a:headEnd type="arrow" w="med" len="med"/>
@@ -19490,7 +19515,7 @@
           </a:prstGeom>
           <a:ln w="19050">
             <a:solidFill>
-              <a:srgbClr val="FF9933"/>
+              <a:srgbClr val="31859C"/>
             </a:solidFill>
             <a:prstDash val="sysDash"/>
             <a:headEnd type="arrow" w="med" len="med"/>
@@ -20776,7 +20801,7 @@
           </a:xfrm>
           <a:prstGeom prst="bentConnector3">
             <a:avLst>
-              <a:gd name="adj1" fmla="val -6116"/>
+              <a:gd name="adj1" fmla="val 777"/>
             </a:avLst>
           </a:prstGeom>
           <a:ln>
@@ -20830,7 +20855,7 @@
             <a:r>
               <a:rPr lang="en-US" sz="1200" b="1" dirty="0">
                 <a:solidFill>
-                  <a:srgbClr val="00B050"/>
+                  <a:srgbClr val="31859C"/>
                 </a:solidFill>
               </a:rPr>
               <a:t>Commons</a:t>
@@ -21985,7 +22010,11 @@
           <a:lstStyle/>
           <a:p>
             <a:r>
-              <a:rPr lang="en-US" sz="700" dirty="0"/>
+              <a:rPr lang="en-US" sz="700" dirty="0">
+                <a:solidFill>
+                  <a:srgbClr val="31859C"/>
+                </a:solidFill>
+              </a:rPr>
               <a:t>distributionProcess(b ,d)</a:t>
             </a:r>
           </a:p>
@@ -22019,7 +22048,11 @@
           <a:lstStyle/>
           <a:p>
             <a:r>
-              <a:rPr lang="en-US" sz="700" dirty="0"/>
+              <a:rPr lang="en-US" sz="700" dirty="0">
+                <a:solidFill>
+                  <a:srgbClr val="31859C"/>
+                </a:solidFill>
+              </a:rPr>
               <a:t>createNationalityMap(c)</a:t>
             </a:r>
           </a:p>
@@ -22099,7 +22132,11 @@
           <a:lstStyle/>
           <a:p>
             <a:r>
-              <a:rPr lang="en-US" sz="700" dirty="0"/>
+              <a:rPr lang="en-US" sz="700" dirty="0">
+                <a:solidFill>
+                  <a:srgbClr val="31859C"/>
+                </a:solidFill>
+              </a:rPr>
               <a:t>findPerson(e, c)</a:t>
             </a:r>
           </a:p>
@@ -22133,7 +22170,11 @@
           <a:lstStyle/>
           <a:p>
             <a:r>
-              <a:rPr lang="en-US" sz="650" dirty="0"/>
+              <a:rPr lang="en-US" sz="650" dirty="0">
+                <a:solidFill>
+                  <a:srgbClr val="31859C"/>
+                </a:solidFill>
+              </a:rPr>
               <a:t>selectiveDistributionByNationality(e, c)</a:t>
             </a:r>
           </a:p>
@@ -22167,7 +22208,11 @@
           <a:lstStyle/>
           <a:p>
             <a:r>
-              <a:rPr lang="en-US" sz="700" dirty="0"/>
+              <a:rPr lang="en-US" sz="700" dirty="0">
+                <a:solidFill>
+                  <a:srgbClr val="31859C"/>
+                </a:solidFill>
+              </a:rPr>
               <a:t>selectiveDistributionByGender(e, c)</a:t>
             </a:r>
           </a:p>
@@ -22527,7 +22572,7 @@
             <a:avLst/>
           </a:prstGeom>
           <a:solidFill>
-            <a:srgbClr val="FF9933"/>
+            <a:srgbClr val="31859C"/>
           </a:solidFill>
           <a:ln>
             <a:solidFill>
@@ -22636,7 +22681,7 @@
             <a:avLst/>
           </a:prstGeom>
           <a:solidFill>
-            <a:srgbClr val="FF9933"/>
+            <a:srgbClr val="31859C"/>
           </a:solidFill>
           <a:ln>
             <a:solidFill>
@@ -22745,7 +22790,7 @@
             <a:avLst/>
           </a:prstGeom>
           <a:solidFill>
-            <a:srgbClr val="FF9933"/>
+            <a:srgbClr val="31859C"/>
           </a:solidFill>
           <a:ln>
             <a:solidFill>
@@ -22854,7 +22899,7 @@
             <a:avLst/>
           </a:prstGeom>
           <a:solidFill>
-            <a:srgbClr val="FF9933"/>
+            <a:srgbClr val="31859C"/>
           </a:solidFill>
           <a:ln>
             <a:solidFill>
@@ -22963,7 +23008,7 @@
             <a:avLst/>
           </a:prstGeom>
           <a:solidFill>
-            <a:srgbClr val="FF9933"/>
+            <a:srgbClr val="31859C"/>
           </a:solidFill>
           <a:ln>
             <a:solidFill>
@@ -23072,7 +23117,7 @@
             <a:avLst/>
           </a:prstGeom>
           <a:solidFill>
-            <a:srgbClr val="FF9933"/>
+            <a:srgbClr val="31859C"/>
           </a:solidFill>
           <a:ln>
             <a:solidFill>
@@ -23188,7 +23233,11 @@
           <a:lstStyle/>
           <a:p>
             <a:r>
-              <a:rPr lang="en-US" sz="700" dirty="0"/>
+              <a:rPr lang="en-US" sz="700" dirty="0">
+                <a:solidFill>
+                  <a:srgbClr val="31859C"/>
+                </a:solidFill>
+              </a:rPr>
               <a:t>distributionProcess(b ,d)</a:t>
             </a:r>
           </a:p>
@@ -23222,7 +23271,11 @@
           <a:lstStyle/>
           <a:p>
             <a:r>
-              <a:rPr lang="en-US" sz="700" dirty="0"/>
+              <a:rPr lang="en-US" sz="700" dirty="0">
+                <a:solidFill>
+                  <a:srgbClr val="31859C"/>
+                </a:solidFill>
+              </a:rPr>
               <a:t>distributionProcess(b ,d)</a:t>
             </a:r>
           </a:p>
@@ -23256,7 +23309,11 @@
           <a:lstStyle/>
           <a:p>
             <a:r>
-              <a:rPr lang="en-US" sz="700" dirty="0"/>
+              <a:rPr lang="en-US" sz="700" dirty="0">
+                <a:solidFill>
+                  <a:srgbClr val="31859C"/>
+                </a:solidFill>
+              </a:rPr>
               <a:t>filterGender(c, g, M)</a:t>
             </a:r>
           </a:p>
@@ -23290,7 +23347,11 @@
           <a:lstStyle/>
           <a:p>
             <a:r>
-              <a:rPr lang="en-US" sz="700" dirty="0"/>
+              <a:rPr lang="en-US" sz="700" dirty="0">
+                <a:solidFill>
+                  <a:srgbClr val="31859C"/>
+                </a:solidFill>
+              </a:rPr>
               <a:t>filterGender(c, g, F)</a:t>
             </a:r>
           </a:p>
@@ -23324,7 +23385,11 @@
           <a:lstStyle/>
           <a:p>
             <a:r>
-              <a:rPr lang="en-US" sz="700" dirty="0"/>
+              <a:rPr lang="en-US" sz="700" dirty="0">
+                <a:solidFill>
+                  <a:srgbClr val="31859C"/>
+                </a:solidFill>
+              </a:rPr>
               <a:t>selectiveDistributionByGender(e, c)</a:t>
             </a:r>
           </a:p>
@@ -23361,7 +23426,7 @@
             <a:r>
               <a:rPr lang="en-US" sz="1200" b="1" dirty="0">
                 <a:solidFill>
-                  <a:srgbClr val="00B050"/>
+                  <a:srgbClr val="0070C0"/>
                 </a:solidFill>
               </a:rPr>
               <a:t>Logic</a:t>
@@ -23397,28 +23462,52 @@
           <a:lstStyle/>
           <a:p>
             <a:r>
-              <a:rPr lang="en-US" sz="700" dirty="0"/>
+              <a:rPr lang="en-US" sz="700" dirty="0">
+                <a:solidFill>
+                  <a:srgbClr val="0070C0"/>
+                </a:solidFill>
+              </a:rPr>
               <a:t>addPersonIntoGroup</a:t>
             </a:r>
           </a:p>
           <a:p>
             <a:r>
-              <a:rPr lang="en-US" sz="700" dirty="0"/>
+              <a:rPr lang="en-US" sz="700" dirty="0">
+                <a:solidFill>
+                  <a:srgbClr val="0070C0"/>
+                </a:solidFill>
+              </a:rPr>
               <a:t>WithoutCommit</a:t>
             </a:r>
           </a:p>
           <a:p>
             <a:r>
-              <a:rPr lang="en-US" sz="700" dirty="0"/>
+              <a:rPr lang="en-US" sz="700" dirty="0">
+                <a:solidFill>
+                  <a:srgbClr val="0070C0"/>
+                </a:solidFill>
+              </a:rPr>
               <a:t> (agrp, mdl)</a:t>
             </a:r>
             <a:br>
-              <a:rPr lang="en-US" sz="700" dirty="0"/>
+              <a:rPr lang="en-US" sz="700" dirty="0">
+                <a:solidFill>
+                  <a:srgbClr val="0070C0"/>
+                </a:solidFill>
+              </a:rPr>
             </a:br>
-            <a:endParaRPr lang="en-US" sz="700" dirty="0"/>
-          </a:p>
-          <a:p>
-            <a:endParaRPr lang="en-US" sz="700" dirty="0"/>
+            <a:endParaRPr lang="en-US" sz="700" dirty="0">
+              <a:solidFill>
+                <a:srgbClr val="0070C0"/>
+              </a:solidFill>
+            </a:endParaRPr>
+          </a:p>
+          <a:p>
+            <a:endParaRPr lang="en-US" sz="700" dirty="0">
+              <a:solidFill>
+                <a:srgbClr val="0070C0"/>
+              </a:solidFill>
+            </a:endParaRPr>
           </a:p>
         </p:txBody>
       </p:sp>
@@ -23487,7 +23576,7 @@
           </a:prstGeom>
           <a:ln w="19050">
             <a:solidFill>
-              <a:srgbClr val="FF9933"/>
+              <a:srgbClr val="31859C"/>
             </a:solidFill>
             <a:prstDash val="sysDash"/>
             <a:headEnd type="arrow" w="med" len="med"/>
@@ -24582,7 +24671,7 @@
           </a:prstGeom>
           <a:ln w="19050">
             <a:solidFill>
-              <a:srgbClr val="FF9933"/>
+              <a:srgbClr val="31859C"/>
             </a:solidFill>
             <a:tailEnd type="triangle"/>
           </a:ln>
@@ -24626,7 +24715,7 @@
           </a:prstGeom>
           <a:ln w="19050">
             <a:solidFill>
-              <a:srgbClr val="FF9933"/>
+              <a:srgbClr val="31859C"/>
             </a:solidFill>
             <a:tailEnd type="triangle"/>
           </a:ln>
@@ -24670,7 +24759,7 @@
           </a:prstGeom>
           <a:ln w="19050">
             <a:solidFill>
-              <a:srgbClr val="FF9933"/>
+              <a:srgbClr val="31859C"/>
             </a:solidFill>
             <a:prstDash val="sysDash"/>
             <a:headEnd type="arrow" w="med" len="med"/>
@@ -24720,22 +24809,42 @@
           <a:lstStyle/>
           <a:p>
             <a:r>
-              <a:rPr lang="en-US" sz="700" dirty="0"/>
+              <a:rPr lang="en-US" sz="700" dirty="0">
+                <a:solidFill>
+                  <a:srgbClr val="31859C"/>
+                </a:solidFill>
+              </a:rPr>
               <a:t>createGroupWithout</a:t>
             </a:r>
           </a:p>
           <a:p>
             <a:r>
-              <a:rPr lang="en-US" sz="700" dirty="0"/>
+              <a:rPr lang="en-US" sz="700" dirty="0">
+                <a:solidFill>
+                  <a:srgbClr val="31859C"/>
+                </a:solidFill>
+              </a:rPr>
               <a:t>Commit(grp, mdl)</a:t>
             </a:r>
             <a:br>
-              <a:rPr lang="en-US" sz="700" dirty="0"/>
+              <a:rPr lang="en-US" sz="700" dirty="0">
+                <a:solidFill>
+                  <a:srgbClr val="31859C"/>
+                </a:solidFill>
+              </a:rPr>
             </a:br>
-            <a:endParaRPr lang="en-US" sz="700" dirty="0"/>
-          </a:p>
-          <a:p>
-            <a:endParaRPr lang="en-US" sz="700" dirty="0"/>
+            <a:endParaRPr lang="en-US" sz="700" dirty="0">
+              <a:solidFill>
+                <a:srgbClr val="31859C"/>
+              </a:solidFill>
+            </a:endParaRPr>
+          </a:p>
+          <a:p>
+            <a:endParaRPr lang="en-US" sz="700" dirty="0">
+              <a:solidFill>
+                <a:srgbClr val="31859C"/>
+              </a:solidFill>
+            </a:endParaRPr>
           </a:p>
         </p:txBody>
       </p:sp>
@@ -24759,6 +24868,7 @@
           <a:prstGeom prst="rect">
             <a:avLst/>
           </a:prstGeom>
+          <a:noFill/>
         </p:spPr>
         <p:txBody>
           <a:bodyPr wrap="square">
@@ -24767,22 +24877,42 @@
           <a:lstStyle/>
           <a:p>
             <a:r>
-              <a:rPr lang="en-US" sz="700" dirty="0"/>
+              <a:rPr lang="en-US" sz="700" dirty="0">
+                <a:solidFill>
+                  <a:srgbClr val="0070C0"/>
+                </a:solidFill>
+              </a:rPr>
               <a:t>createGroupWithout</a:t>
             </a:r>
           </a:p>
           <a:p>
             <a:r>
-              <a:rPr lang="en-US" sz="700" dirty="0"/>
+              <a:rPr lang="en-US" sz="700" dirty="0">
+                <a:solidFill>
+                  <a:srgbClr val="0070C0"/>
+                </a:solidFill>
+              </a:rPr>
               <a:t>Commit(grp, mdl)</a:t>
             </a:r>
             <a:br>
-              <a:rPr lang="en-US" sz="700" dirty="0"/>
+              <a:rPr lang="en-US" sz="700" dirty="0">
+                <a:solidFill>
+                  <a:srgbClr val="0070C0"/>
+                </a:solidFill>
+              </a:rPr>
             </a:br>
-            <a:endParaRPr lang="en-US" sz="700" dirty="0"/>
-          </a:p>
-          <a:p>
-            <a:endParaRPr lang="en-US" sz="700" dirty="0"/>
+            <a:endParaRPr lang="en-US" sz="700" dirty="0">
+              <a:solidFill>
+                <a:srgbClr val="0070C0"/>
+              </a:solidFill>
+            </a:endParaRPr>
+          </a:p>
+          <a:p>
+            <a:endParaRPr lang="en-US" sz="700" dirty="0">
+              <a:solidFill>
+                <a:srgbClr val="0070C0"/>
+              </a:solidFill>
+            </a:endParaRPr>
           </a:p>
         </p:txBody>
       </p:sp>
@@ -24814,28 +24944,52 @@
           <a:lstStyle/>
           <a:p>
             <a:r>
-              <a:rPr lang="en-US" sz="700" dirty="0"/>
+              <a:rPr lang="en-US" sz="700" dirty="0">
+                <a:solidFill>
+                  <a:srgbClr val="0070C0"/>
+                </a:solidFill>
+              </a:rPr>
               <a:t>addPersonIntoGroup</a:t>
             </a:r>
           </a:p>
           <a:p>
             <a:r>
-              <a:rPr lang="en-US" sz="700" dirty="0"/>
+              <a:rPr lang="en-US" sz="700" dirty="0">
+                <a:solidFill>
+                  <a:srgbClr val="0070C0"/>
+                </a:solidFill>
+              </a:rPr>
               <a:t>WithoutCommit</a:t>
             </a:r>
           </a:p>
           <a:p>
             <a:r>
-              <a:rPr lang="en-US" sz="700" dirty="0"/>
+              <a:rPr lang="en-US" sz="700" dirty="0">
+                <a:solidFill>
+                  <a:srgbClr val="0070C0"/>
+                </a:solidFill>
+              </a:rPr>
               <a:t> (agrp, mdl)</a:t>
             </a:r>
             <a:br>
-              <a:rPr lang="en-US" sz="700" dirty="0"/>
+              <a:rPr lang="en-US" sz="700" dirty="0">
+                <a:solidFill>
+                  <a:srgbClr val="0070C0"/>
+                </a:solidFill>
+              </a:rPr>
             </a:br>
-            <a:endParaRPr lang="en-US" sz="700" dirty="0"/>
-          </a:p>
-          <a:p>
-            <a:endParaRPr lang="en-US" sz="700" dirty="0"/>
+            <a:endParaRPr lang="en-US" sz="700" dirty="0">
+              <a:solidFill>
+                <a:srgbClr val="0070C0"/>
+              </a:solidFill>
+            </a:endParaRPr>
+          </a:p>
+          <a:p>
+            <a:endParaRPr lang="en-US" sz="700" dirty="0">
+              <a:solidFill>
+                <a:srgbClr val="0070C0"/>
+              </a:solidFill>
+            </a:endParaRPr>
           </a:p>
         </p:txBody>
       </p:sp>
@@ -24867,28 +25021,52 @@
           <a:lstStyle/>
           <a:p>
             <a:r>
-              <a:rPr lang="en-US" sz="700" dirty="0"/>
+              <a:rPr lang="en-US" sz="700" dirty="0">
+                <a:solidFill>
+                  <a:srgbClr val="0070C0"/>
+                </a:solidFill>
+              </a:rPr>
               <a:t>addPersonIntoGroup</a:t>
             </a:r>
           </a:p>
           <a:p>
             <a:r>
-              <a:rPr lang="en-US" sz="700" dirty="0"/>
+              <a:rPr lang="en-US" sz="700" dirty="0">
+                <a:solidFill>
+                  <a:srgbClr val="0070C0"/>
+                </a:solidFill>
+              </a:rPr>
               <a:t>WithoutCommit</a:t>
             </a:r>
           </a:p>
           <a:p>
             <a:r>
-              <a:rPr lang="en-US" sz="700" dirty="0"/>
+              <a:rPr lang="en-US" sz="700" dirty="0">
+                <a:solidFill>
+                  <a:srgbClr val="0070C0"/>
+                </a:solidFill>
+              </a:rPr>
               <a:t> (agrp, mdl)</a:t>
             </a:r>
             <a:br>
-              <a:rPr lang="en-US" sz="700" dirty="0"/>
+              <a:rPr lang="en-US" sz="700" dirty="0">
+                <a:solidFill>
+                  <a:srgbClr val="0070C0"/>
+                </a:solidFill>
+              </a:rPr>
             </a:br>
-            <a:endParaRPr lang="en-US" sz="700" dirty="0"/>
-          </a:p>
-          <a:p>
-            <a:endParaRPr lang="en-US" sz="700" dirty="0"/>
+            <a:endParaRPr lang="en-US" sz="700" dirty="0">
+              <a:solidFill>
+                <a:srgbClr val="0070C0"/>
+              </a:solidFill>
+            </a:endParaRPr>
+          </a:p>
+          <a:p>
+            <a:endParaRPr lang="en-US" sz="700" dirty="0">
+              <a:solidFill>
+                <a:srgbClr val="0070C0"/>
+              </a:solidFill>
+            </a:endParaRPr>
           </a:p>
         </p:txBody>
       </p:sp>

--- a/docs/diagrams/DistributeSequenceDiagram.pptx
+++ b/docs/diagrams/DistributeSequenceDiagram.pptx
@@ -13151,6 +13151,58 @@
       </p:grpSpPr>
       <p:sp>
         <p:nvSpPr>
+          <p:cNvPr id="5" name="Rectangle: Rounded Corners 4">
+            <a:extLst>
+              <a:ext uri="{FF2B5EF4-FFF2-40B4-BE49-F238E27FC236}">
+                <a16:creationId xmlns:a16="http://schemas.microsoft.com/office/drawing/2014/main" id="{7536FA76-4559-41E0-88BE-5F5344511C17}"/>
+              </a:ext>
+            </a:extLst>
+          </p:cNvPr>
+          <p:cNvSpPr/>
+          <p:nvPr/>
+        </p:nvSpPr>
+        <p:spPr>
+          <a:xfrm>
+            <a:off x="8148074" y="-2"/>
+            <a:ext cx="6608268" cy="8445863"/>
+          </a:xfrm>
+          <a:prstGeom prst="roundRect">
+            <a:avLst>
+              <a:gd name="adj" fmla="val 3134"/>
+            </a:avLst>
+          </a:prstGeom>
+          <a:solidFill>
+            <a:srgbClr val="E6E0EC"/>
+          </a:solidFill>
+          <a:ln>
+            <a:noFill/>
+          </a:ln>
+        </p:spPr>
+        <p:style>
+          <a:lnRef idx="1">
+            <a:schemeClr val="accent2"/>
+          </a:lnRef>
+          <a:fillRef idx="2">
+            <a:schemeClr val="accent2"/>
+          </a:fillRef>
+          <a:effectRef idx="1">
+            <a:schemeClr val="accent2"/>
+          </a:effectRef>
+          <a:fontRef idx="minor">
+            <a:schemeClr val="dk1"/>
+          </a:fontRef>
+        </p:style>
+        <p:txBody>
+          <a:bodyPr rtlCol="0" anchor="ctr"/>
+          <a:lstStyle/>
+          <a:p>
+            <a:pPr algn="ctr"/>
+            <a:endParaRPr lang="en-SG" dirty="0"/>
+          </a:p>
+        </p:txBody>
+      </p:sp>
+      <p:sp>
+        <p:nvSpPr>
           <p:cNvPr id="4" name="Rectangle: Rounded Corners 3">
             <a:extLst>
               <a:ext uri="{FF2B5EF4-FFF2-40B4-BE49-F238E27FC236}">
@@ -13164,7 +13216,7 @@
         <p:spPr>
           <a:xfrm>
             <a:off x="-1097664" y="-1"/>
-            <a:ext cx="13215612" cy="8445863"/>
+            <a:ext cx="9237737" cy="8445863"/>
           </a:xfrm>
           <a:prstGeom prst="roundRect">
             <a:avLst>
@@ -13301,58 +13353,6 @@
       </p:sp>
       <p:sp>
         <p:nvSpPr>
-          <p:cNvPr id="5" name="Rectangle: Rounded Corners 4">
-            <a:extLst>
-              <a:ext uri="{FF2B5EF4-FFF2-40B4-BE49-F238E27FC236}">
-                <a16:creationId xmlns:a16="http://schemas.microsoft.com/office/drawing/2014/main" id="{7536FA76-4559-41E0-88BE-5F5344511C17}"/>
-              </a:ext>
-            </a:extLst>
-          </p:cNvPr>
-          <p:cNvSpPr/>
-          <p:nvPr/>
-        </p:nvSpPr>
-        <p:spPr>
-          <a:xfrm>
-            <a:off x="12106048" y="-2"/>
-            <a:ext cx="2650294" cy="8445863"/>
-          </a:xfrm>
-          <a:prstGeom prst="roundRect">
-            <a:avLst>
-              <a:gd name="adj" fmla="val 3134"/>
-            </a:avLst>
-          </a:prstGeom>
-          <a:solidFill>
-            <a:srgbClr val="93CDDD"/>
-          </a:solidFill>
-          <a:ln>
-            <a:noFill/>
-          </a:ln>
-        </p:spPr>
-        <p:style>
-          <a:lnRef idx="1">
-            <a:schemeClr val="accent2"/>
-          </a:lnRef>
-          <a:fillRef idx="2">
-            <a:schemeClr val="accent2"/>
-          </a:fillRef>
-          <a:effectRef idx="1">
-            <a:schemeClr val="accent2"/>
-          </a:effectRef>
-          <a:fontRef idx="minor">
-            <a:schemeClr val="dk1"/>
-          </a:fontRef>
-        </p:style>
-        <p:txBody>
-          <a:bodyPr rtlCol="0" anchor="ctr"/>
-          <a:lstStyle/>
-          <a:p>
-            <a:pPr algn="ctr"/>
-            <a:endParaRPr lang="en-SG" dirty="0"/>
-          </a:p>
-        </p:txBody>
-      </p:sp>
-      <p:sp>
-        <p:nvSpPr>
           <p:cNvPr id="20" name="Rectangle 62">
             <a:extLst>
               <a:ext uri="{FF2B5EF4-FFF2-40B4-BE49-F238E27FC236}">
@@ -14041,11 +14041,11 @@
             <a:avLst/>
           </a:prstGeom>
           <a:solidFill>
-            <a:srgbClr val="0070C0"/>
+            <a:srgbClr val="7030A0"/>
           </a:solidFill>
           <a:ln w="19050">
             <a:solidFill>
-              <a:srgbClr val="0070C0"/>
+              <a:srgbClr val="7030A0"/>
             </a:solidFill>
           </a:ln>
           <a:effectLst/>
@@ -14115,7 +14115,7 @@
           </a:prstGeom>
           <a:ln w="19050">
             <a:solidFill>
-              <a:srgbClr val="0070C0"/>
+              <a:srgbClr val="7030A0"/>
             </a:solidFill>
             <a:prstDash val="sysDash"/>
           </a:ln>
@@ -14157,7 +14157,7 @@
             <a:avLst/>
           </a:prstGeom>
           <a:solidFill>
-            <a:srgbClr val="0070C0"/>
+            <a:srgbClr val="7030A0"/>
           </a:solidFill>
           <a:ln>
             <a:solidFill>
@@ -15379,8 +15379,8 @@
         </p:nvSpPr>
         <p:spPr>
           <a:xfrm>
-            <a:off x="12191540" y="165619"/>
-            <a:ext cx="827471" cy="276999"/>
+            <a:off x="8509054" y="157702"/>
+            <a:ext cx="662362" cy="276999"/>
           </a:xfrm>
           <a:prstGeom prst="rect">
             <a:avLst/>
@@ -15396,10 +15396,10 @@
             <a:r>
               <a:rPr lang="en-US" sz="1200" b="1" dirty="0">
                 <a:solidFill>
-                  <a:srgbClr val="31859C"/>
+                  <a:srgbClr val="7030A0"/>
                 </a:solidFill>
               </a:rPr>
-              <a:t>Commons</a:t>
+              <a:t>MODEL</a:t>
             </a:r>
           </a:p>
         </p:txBody>
@@ -15575,7 +15575,7 @@
             <a:avLst/>
           </a:prstGeom>
           <a:solidFill>
-            <a:srgbClr val="0070C0"/>
+            <a:srgbClr val="7030A0"/>
           </a:solidFill>
           <a:ln>
             <a:solidFill>
@@ -15728,7 +15728,7 @@
             <a:avLst/>
           </a:prstGeom>
           <a:solidFill>
-            <a:srgbClr val="0070C0"/>
+            <a:srgbClr val="7030A0"/>
           </a:solidFill>
           <a:ln>
             <a:solidFill>
@@ -15788,7 +15788,7 @@
             <a:avLst/>
           </a:prstGeom>
           <a:solidFill>
-            <a:srgbClr val="0070C0"/>
+            <a:srgbClr val="7030A0"/>
           </a:solidFill>
           <a:ln>
             <a:solidFill>
@@ -15858,7 +15858,7 @@
             <a:r>
               <a:rPr lang="en-US" sz="800" dirty="0">
                 <a:solidFill>
-                  <a:srgbClr val="0070C0"/>
+                  <a:srgbClr val="7030A0"/>
                 </a:solidFill>
               </a:rPr>
               <a:t>[g/0 &amp;&amp; nat/0]</a:t>
@@ -15892,6 +15892,9 @@
             </a:avLst>
           </a:prstGeom>
           <a:ln>
+            <a:solidFill>
+              <a:srgbClr val="7030A0"/>
+            </a:solidFill>
             <a:tailEnd type="triangle"/>
           </a:ln>
         </p:spPr>
@@ -15941,7 +15944,7 @@
             <a:r>
               <a:rPr lang="en-US" sz="800" dirty="0">
                 <a:solidFill>
-                  <a:srgbClr val="0070C0"/>
+                  <a:srgbClr val="7030A0"/>
                 </a:solidFill>
               </a:rPr>
               <a:t>[g/0 &amp;&amp; nat/1]</a:t>
@@ -15975,6 +15978,9 @@
             </a:avLst>
           </a:prstGeom>
           <a:ln>
+            <a:solidFill>
+              <a:srgbClr val="7030A0"/>
+            </a:solidFill>
             <a:tailEnd type="triangle"/>
           </a:ln>
         </p:spPr>
@@ -16024,7 +16030,7 @@
             <a:r>
               <a:rPr lang="en-US" sz="800" dirty="0">
                 <a:solidFill>
-                  <a:srgbClr val="0070C0"/>
+                  <a:srgbClr val="7030A0"/>
                 </a:solidFill>
               </a:rPr>
               <a:t>[g/1 &amp;&amp; nat/0]</a:t>
@@ -16058,6 +16064,9 @@
             </a:avLst>
           </a:prstGeom>
           <a:ln>
+            <a:solidFill>
+              <a:srgbClr val="7030A0"/>
+            </a:solidFill>
             <a:tailEnd type="triangle"/>
           </a:ln>
         </p:spPr>
@@ -16107,7 +16116,7 @@
             <a:r>
               <a:rPr lang="en-US" sz="800" dirty="0">
                 <a:solidFill>
-                  <a:srgbClr val="0070C0"/>
+                  <a:srgbClr val="7030A0"/>
                 </a:solidFill>
               </a:rPr>
               <a:t>normalDistribution(a, b, c ,d)</a:t>
@@ -16146,7 +16155,7 @@
             <a:r>
               <a:rPr lang="en-US" sz="800" dirty="0">
                 <a:solidFill>
-                  <a:srgbClr val="0070C0"/>
+                  <a:srgbClr val="7030A0"/>
                 </a:solidFill>
               </a:rPr>
               <a:t>nationalityDistribution(a, b, c, d)</a:t>
@@ -16185,7 +16194,7 @@
             <a:r>
               <a:rPr lang="en-US" sz="800" dirty="0">
                 <a:solidFill>
-                  <a:srgbClr val="0070C0"/>
+                  <a:srgbClr val="7030A0"/>
                 </a:solidFill>
               </a:rPr>
               <a:t>genderDistribution(a, b, c, d)</a:t>
@@ -16224,7 +16233,7 @@
             <a:r>
               <a:rPr lang="en-SG" sz="1100" dirty="0">
                 <a:solidFill>
-                  <a:srgbClr val="0070C0"/>
+                  <a:srgbClr val="7030A0"/>
                 </a:solidFill>
               </a:rPr>
               <a:t>a = numOfGroups</a:t>
@@ -16234,7 +16243,7 @@
             <a:r>
               <a:rPr lang="en-SG" sz="1100" dirty="0">
                 <a:solidFill>
-                  <a:srgbClr val="0070C0"/>
+                  <a:srgbClr val="7030A0"/>
                 </a:solidFill>
               </a:rPr>
               <a:t>b = groupArrayList</a:t>
@@ -16244,7 +16253,7 @@
             <a:r>
               <a:rPr lang="en-SG" sz="1100" dirty="0">
                 <a:solidFill>
-                  <a:srgbClr val="0070C0"/>
+                  <a:srgbClr val="7030A0"/>
                 </a:solidFill>
               </a:rPr>
               <a:t>c = personLinkedList</a:t>
@@ -16254,7 +16263,7 @@
             <a:r>
               <a:rPr lang="en-SG" sz="1100" dirty="0">
                 <a:solidFill>
-                  <a:srgbClr val="0070C0"/>
+                  <a:srgbClr val="7030A0"/>
                 </a:solidFill>
               </a:rPr>
               <a:t>d = groupName</a:t>
@@ -16264,7 +16273,7 @@
             <a:r>
               <a:rPr lang="en-US" sz="1100" dirty="0">
                 <a:solidFill>
-                  <a:srgbClr val="0070C0"/>
+                  <a:srgbClr val="7030A0"/>
                 </a:solidFill>
               </a:rPr>
               <a:t>e</a:t>
@@ -16272,7 +16281,7 @@
             <a:r>
               <a:rPr lang="en-SG" sz="1100" dirty="0">
                 <a:solidFill>
-                  <a:srgbClr val="0070C0"/>
+                  <a:srgbClr val="7030A0"/>
                 </a:solidFill>
               </a:rPr>
               <a:t> = nationality</a:t>
@@ -16282,7 +16291,7 @@
             <a:r>
               <a:rPr lang="en-US" sz="1100" dirty="0">
                 <a:solidFill>
-                  <a:srgbClr val="0070C0"/>
+                  <a:srgbClr val="7030A0"/>
                 </a:solidFill>
               </a:rPr>
               <a:t>g = genderLinkedList</a:t>
@@ -16292,7 +16301,7 @@
             <a:r>
               <a:rPr lang="en-US" sz="1100" dirty="0">
                 <a:solidFill>
-                  <a:srgbClr val="0070C0"/>
+                  <a:srgbClr val="7030A0"/>
                 </a:solidFill>
               </a:rPr>
               <a:t>M = “MALE”</a:t>
@@ -16302,14 +16311,14 @@
             <a:r>
               <a:rPr lang="en-US" sz="1100" dirty="0">
                 <a:solidFill>
-                  <a:srgbClr val="0070C0"/>
+                  <a:srgbClr val="7030A0"/>
                 </a:solidFill>
               </a:rPr>
               <a:t>F = “FEMALE”</a:t>
             </a:r>
             <a:endParaRPr lang="en-SG" sz="1100" dirty="0">
               <a:solidFill>
-                <a:srgbClr val="0070C0"/>
+                <a:srgbClr val="7030A0"/>
               </a:solidFill>
             </a:endParaRPr>
           </a:p>
@@ -16339,7 +16348,7 @@
           </a:prstGeom>
           <a:ln w="19050">
             <a:solidFill>
-              <a:srgbClr val="0070C0"/>
+              <a:srgbClr val="7030A0"/>
             </a:solidFill>
             <a:tailEnd type="arrow"/>
           </a:ln>
@@ -16383,7 +16392,7 @@
           </a:prstGeom>
           <a:ln w="19050">
             <a:solidFill>
-              <a:srgbClr val="0070C0"/>
+              <a:srgbClr val="7030A0"/>
             </a:solidFill>
             <a:prstDash val="sysDash"/>
             <a:headEnd type="arrow" w="med" len="med"/>
@@ -16595,7 +16604,7 @@
           </a:prstGeom>
           <a:ln w="19050">
             <a:solidFill>
-              <a:srgbClr val="0070C0"/>
+              <a:srgbClr val="7030A0"/>
             </a:solidFill>
             <a:tailEnd type="arrow"/>
           </a:ln>
@@ -16639,7 +16648,7 @@
           </a:prstGeom>
           <a:ln w="19050">
             <a:solidFill>
-              <a:srgbClr val="0070C0"/>
+              <a:srgbClr val="7030A0"/>
             </a:solidFill>
             <a:tailEnd type="arrow"/>
           </a:ln>
@@ -16683,7 +16692,7 @@
           </a:prstGeom>
           <a:ln w="19050">
             <a:solidFill>
-              <a:srgbClr val="0070C0"/>
+              <a:srgbClr val="7030A0"/>
             </a:solidFill>
             <a:tailEnd type="arrow"/>
           </a:ln>
@@ -16733,7 +16742,7 @@
             <a:r>
               <a:rPr lang="en-US" sz="700" dirty="0">
                 <a:solidFill>
-                  <a:srgbClr val="31859C"/>
+                  <a:srgbClr val="7030A0"/>
                 </a:solidFill>
               </a:rPr>
               <a:t>distributionProcess(b ,d)</a:t>
@@ -16771,7 +16780,7 @@
             <a:r>
               <a:rPr lang="en-US" sz="700" dirty="0">
                 <a:solidFill>
-                  <a:srgbClr val="31859C"/>
+                  <a:srgbClr val="7030A0"/>
                 </a:solidFill>
               </a:rPr>
               <a:t>createNationalityMap(c)</a:t>
@@ -16803,7 +16812,7 @@
           </a:prstGeom>
           <a:ln w="19050">
             <a:solidFill>
-              <a:srgbClr val="0070C0"/>
+              <a:srgbClr val="7030A0"/>
             </a:solidFill>
             <a:prstDash val="sysDash"/>
             <a:headEnd type="arrow" w="med" len="med"/>
@@ -16849,7 +16858,7 @@
           </a:prstGeom>
           <a:ln w="19050">
             <a:solidFill>
-              <a:srgbClr val="0070C0"/>
+              <a:srgbClr val="7030A0"/>
             </a:solidFill>
             <a:tailEnd type="arrow"/>
           </a:ln>
@@ -16893,7 +16902,7 @@
           </a:prstGeom>
           <a:ln w="19050">
             <a:solidFill>
-              <a:srgbClr val="0070C0"/>
+              <a:srgbClr val="7030A0"/>
             </a:solidFill>
             <a:prstDash val="sysDash"/>
             <a:headEnd type="arrow" w="med" len="med"/>
@@ -16939,7 +16948,7 @@
           </a:prstGeom>
           <a:ln w="19050">
             <a:solidFill>
-              <a:srgbClr val="0070C0"/>
+              <a:srgbClr val="7030A0"/>
             </a:solidFill>
             <a:tailEnd type="arrow"/>
           </a:ln>
@@ -16983,7 +16992,7 @@
           </a:prstGeom>
           <a:ln w="19050">
             <a:solidFill>
-              <a:srgbClr val="0070C0"/>
+              <a:srgbClr val="7030A0"/>
             </a:solidFill>
             <a:tailEnd type="arrow"/>
           </a:ln>
@@ -17033,7 +17042,7 @@
             <a:r>
               <a:rPr lang="en-US" sz="700" dirty="0">
                 <a:solidFill>
-                  <a:srgbClr val="31859C"/>
+                  <a:srgbClr val="7030A0"/>
                 </a:solidFill>
               </a:rPr>
               <a:t>findPerson(e, c)</a:t>
@@ -17071,7 +17080,7 @@
             <a:r>
               <a:rPr lang="en-US" sz="700" dirty="0">
                 <a:solidFill>
-                  <a:srgbClr val="31859C"/>
+                  <a:srgbClr val="7030A0"/>
                 </a:solidFill>
               </a:rPr>
               <a:t>selectiveDistributionByNationality(e, c)</a:t>
@@ -17109,7 +17118,7 @@
             <a:r>
               <a:rPr lang="en-US" sz="700" dirty="0">
                 <a:solidFill>
-                  <a:srgbClr val="31859C"/>
+                  <a:srgbClr val="7030A0"/>
                 </a:solidFill>
               </a:rPr>
               <a:t>distributionProcess(b ,d)</a:t>
@@ -17141,7 +17150,7 @@
           </a:prstGeom>
           <a:ln w="19050">
             <a:solidFill>
-              <a:srgbClr val="0070C0"/>
+              <a:srgbClr val="7030A0"/>
             </a:solidFill>
             <a:tailEnd type="arrow"/>
           </a:ln>
@@ -17185,7 +17194,7 @@
           </a:prstGeom>
           <a:ln w="19050">
             <a:solidFill>
-              <a:srgbClr val="0070C0"/>
+              <a:srgbClr val="7030A0"/>
             </a:solidFill>
             <a:tailEnd type="arrow"/>
           </a:ln>
@@ -17229,7 +17238,7 @@
           </a:prstGeom>
           <a:ln w="19050">
             <a:solidFill>
-              <a:srgbClr val="0070C0"/>
+              <a:srgbClr val="7030A0"/>
             </a:solidFill>
             <a:tailEnd type="arrow"/>
           </a:ln>
@@ -17273,7 +17282,7 @@
           </a:prstGeom>
           <a:ln w="19050">
             <a:solidFill>
-              <a:srgbClr val="0070C0"/>
+              <a:srgbClr val="7030A0"/>
             </a:solidFill>
             <a:tailEnd type="arrow"/>
           </a:ln>
@@ -17323,7 +17332,7 @@
             <a:r>
               <a:rPr lang="en-US" sz="700" dirty="0">
                 <a:solidFill>
-                  <a:srgbClr val="31859C"/>
+                  <a:srgbClr val="7030A0"/>
                 </a:solidFill>
               </a:rPr>
               <a:t>distributionProcess(b ,d)</a:t>
@@ -17361,7 +17370,7 @@
             <a:r>
               <a:rPr lang="en-US" sz="700" dirty="0">
                 <a:solidFill>
-                  <a:srgbClr val="31859C"/>
+                  <a:srgbClr val="7030A0"/>
                 </a:solidFill>
               </a:rPr>
               <a:t>filterGender(c, g, M)</a:t>
@@ -17399,7 +17408,7 @@
             <a:r>
               <a:rPr lang="en-US" sz="700" dirty="0">
                 <a:solidFill>
-                  <a:srgbClr val="31859C"/>
+                  <a:srgbClr val="7030A0"/>
                 </a:solidFill>
               </a:rPr>
               <a:t>filterGender(c, g, F)</a:t>
@@ -17437,7 +17446,7 @@
             <a:r>
               <a:rPr lang="en-US" sz="700" dirty="0">
                 <a:solidFill>
-                  <a:srgbClr val="31859C"/>
+                  <a:srgbClr val="7030A0"/>
                 </a:solidFill>
               </a:rPr>
               <a:t>selectiveDistributionByGender(e, c)</a:t>
@@ -17475,7 +17484,7 @@
             <a:r>
               <a:rPr lang="en-US" sz="700" dirty="0">
                 <a:solidFill>
-                  <a:srgbClr val="31859C"/>
+                  <a:srgbClr val="7030A0"/>
                 </a:solidFill>
               </a:rPr>
               <a:t>selectiveDistributionByGender(e, c)</a:t>
@@ -17514,7 +17523,7 @@
             <a:r>
               <a:rPr lang="en-US" sz="1600" b="1" dirty="0">
                 <a:solidFill>
-                  <a:srgbClr val="31859C"/>
+                  <a:srgbClr val="7030A0"/>
                 </a:solidFill>
               </a:rPr>
               <a:t>Continue at Next Diagram</a:t>
@@ -17554,10 +17563,10 @@
       </p:grpSpPr>
       <p:sp>
         <p:nvSpPr>
-          <p:cNvPr id="103" name="Rectangle: Rounded Corners 102">
-            <a:extLst>
-              <a:ext uri="{FF2B5EF4-FFF2-40B4-BE49-F238E27FC236}">
-                <a16:creationId xmlns:a16="http://schemas.microsoft.com/office/drawing/2014/main" id="{2FB99E19-7291-4938-8C1D-93B13A44B4FE}"/>
+          <p:cNvPr id="251" name="Rectangle: Rounded Corners 250">
+            <a:extLst>
+              <a:ext uri="{FF2B5EF4-FFF2-40B4-BE49-F238E27FC236}">
+                <a16:creationId xmlns:a16="http://schemas.microsoft.com/office/drawing/2014/main" id="{06662FD2-C683-448F-8786-9467D782737A}"/>
               </a:ext>
             </a:extLst>
           </p:cNvPr>
@@ -17566,30 +17575,82 @@
         </p:nvSpPr>
         <p:spPr>
           <a:xfrm>
-            <a:off x="2913399" y="-1"/>
-            <a:ext cx="2463437" cy="7035551"/>
+            <a:off x="-26442" y="-23814"/>
+            <a:ext cx="5359653" cy="7087277"/>
           </a:xfrm>
           <a:prstGeom prst="roundRect">
             <a:avLst>
-              <a:gd name="adj" fmla="val 3134"/>
+              <a:gd name="adj" fmla="val 1054"/>
             </a:avLst>
           </a:prstGeom>
           <a:solidFill>
-            <a:srgbClr val="93CDDD"/>
+            <a:srgbClr val="E6E0EC"/>
           </a:solidFill>
-          <a:ln>
+          <a:ln w="9525" cap="flat" cmpd="sng" algn="ctr">
             <a:noFill/>
-          </a:ln>
-        </p:spPr>
-        <p:style>
-          <a:lnRef idx="1">
-            <a:schemeClr val="accent2"/>
+            <a:prstDash val="solid"/>
+            <a:round/>
+            <a:headEnd type="none" w="med" len="med"/>
+            <a:tailEnd type="none" w="med" len="med"/>
+          </a:ln>
+        </p:spPr>
+        <p:style>
+          <a:lnRef idx="0">
+            <a:scrgbClr r="0" g="0" b="0"/>
+          </a:lnRef>
+          <a:fillRef idx="0">
+            <a:scrgbClr r="0" g="0" b="0"/>
+          </a:fillRef>
+          <a:effectRef idx="0">
+            <a:scrgbClr r="0" g="0" b="0"/>
+          </a:effectRef>
+          <a:fontRef idx="minor">
+            <a:schemeClr val="accent1"/>
+          </a:fontRef>
+        </p:style>
+        <p:txBody>
+          <a:bodyPr rtlCol="0" anchor="ctr"/>
+          <a:lstStyle/>
+          <a:p>
+            <a:pPr algn="ctr"/>
+            <a:endParaRPr lang="en-US" dirty="0">
+              <a:solidFill>
+                <a:srgbClr val="0070C0"/>
+              </a:solidFill>
+            </a:endParaRPr>
+          </a:p>
+        </p:txBody>
+      </p:sp>
+      <p:sp>
+        <p:nvSpPr>
+          <p:cNvPr id="241" name="Rectangle 240">
+            <a:extLst>
+              <a:ext uri="{FF2B5EF4-FFF2-40B4-BE49-F238E27FC236}">
+                <a16:creationId xmlns:a16="http://schemas.microsoft.com/office/drawing/2014/main" id="{3DE3AD14-9ED8-4B6C-9145-E59B22131A52}"/>
+              </a:ext>
+            </a:extLst>
+          </p:cNvPr>
+          <p:cNvSpPr/>
+          <p:nvPr/>
+        </p:nvSpPr>
+        <p:spPr>
+          <a:xfrm>
+            <a:off x="105212" y="1643886"/>
+            <a:ext cx="2526823" cy="4523978"/>
+          </a:xfrm>
+          <a:prstGeom prst="rect">
+            <a:avLst/>
+          </a:prstGeom>
+        </p:spPr>
+        <p:style>
+          <a:lnRef idx="1">
+            <a:schemeClr val="accent4"/>
           </a:lnRef>
           <a:fillRef idx="2">
-            <a:schemeClr val="accent2"/>
+            <a:schemeClr val="accent4"/>
           </a:fillRef>
           <a:effectRef idx="1">
-            <a:schemeClr val="accent2"/>
+            <a:schemeClr val="accent4"/>
           </a:effectRef>
           <a:fontRef idx="minor">
             <a:schemeClr val="dk1"/>
@@ -17600,16 +17661,16 @@
           <a:lstStyle/>
           <a:p>
             <a:pPr algn="ctr"/>
-            <a:endParaRPr lang="en-SG" dirty="0"/>
-          </a:p>
-        </p:txBody>
-      </p:sp>
-      <p:sp>
-        <p:nvSpPr>
-          <p:cNvPr id="251" name="Rectangle: Rounded Corners 250">
-            <a:extLst>
-              <a:ext uri="{FF2B5EF4-FFF2-40B4-BE49-F238E27FC236}">
-                <a16:creationId xmlns:a16="http://schemas.microsoft.com/office/drawing/2014/main" id="{06662FD2-C683-448F-8786-9467D782737A}"/>
+            <a:endParaRPr lang="en-US"/>
+          </a:p>
+        </p:txBody>
+      </p:sp>
+      <p:sp>
+        <p:nvSpPr>
+          <p:cNvPr id="4" name="Rectangle: Rounded Corners 3">
+            <a:extLst>
+              <a:ext uri="{FF2B5EF4-FFF2-40B4-BE49-F238E27FC236}">
+                <a16:creationId xmlns:a16="http://schemas.microsoft.com/office/drawing/2014/main" id="{97A2F273-848E-479F-9C87-3CABF0484245}"/>
               </a:ext>
             </a:extLst>
           </p:cNvPr>
@@ -17618,8 +17679,8 @@
         </p:nvSpPr>
         <p:spPr>
           <a:xfrm>
-            <a:off x="-26442" y="-23814"/>
-            <a:ext cx="2941227" cy="7087277"/>
+            <a:off x="5338286" y="-7058"/>
+            <a:ext cx="6853714" cy="7068386"/>
           </a:xfrm>
           <a:prstGeom prst="roundRect">
             <a:avLst>
@@ -17666,110 +17727,6 @@
       </p:sp>
       <p:sp>
         <p:nvSpPr>
-          <p:cNvPr id="241" name="Rectangle 240">
-            <a:extLst>
-              <a:ext uri="{FF2B5EF4-FFF2-40B4-BE49-F238E27FC236}">
-                <a16:creationId xmlns:a16="http://schemas.microsoft.com/office/drawing/2014/main" id="{3DE3AD14-9ED8-4B6C-9145-E59B22131A52}"/>
-              </a:ext>
-            </a:extLst>
-          </p:cNvPr>
-          <p:cNvSpPr/>
-          <p:nvPr/>
-        </p:nvSpPr>
-        <p:spPr>
-          <a:xfrm>
-            <a:off x="105212" y="1643886"/>
-            <a:ext cx="2526823" cy="4523978"/>
-          </a:xfrm>
-          <a:prstGeom prst="rect">
-            <a:avLst/>
-          </a:prstGeom>
-        </p:spPr>
-        <p:style>
-          <a:lnRef idx="1">
-            <a:schemeClr val="accent4"/>
-          </a:lnRef>
-          <a:fillRef idx="2">
-            <a:schemeClr val="accent4"/>
-          </a:fillRef>
-          <a:effectRef idx="1">
-            <a:schemeClr val="accent4"/>
-          </a:effectRef>
-          <a:fontRef idx="minor">
-            <a:schemeClr val="dk1"/>
-          </a:fontRef>
-        </p:style>
-        <p:txBody>
-          <a:bodyPr rtlCol="0" anchor="ctr"/>
-          <a:lstStyle/>
-          <a:p>
-            <a:pPr algn="ctr"/>
-            <a:endParaRPr lang="en-US"/>
-          </a:p>
-        </p:txBody>
-      </p:sp>
-      <p:sp>
-        <p:nvSpPr>
-          <p:cNvPr id="4" name="Rectangle: Rounded Corners 3">
-            <a:extLst>
-              <a:ext uri="{FF2B5EF4-FFF2-40B4-BE49-F238E27FC236}">
-                <a16:creationId xmlns:a16="http://schemas.microsoft.com/office/drawing/2014/main" id="{97A2F273-848E-479F-9C87-3CABF0484245}"/>
-              </a:ext>
-            </a:extLst>
-          </p:cNvPr>
-          <p:cNvSpPr/>
-          <p:nvPr/>
-        </p:nvSpPr>
-        <p:spPr>
-          <a:xfrm>
-            <a:off x="5338286" y="-7058"/>
-            <a:ext cx="6853714" cy="7068386"/>
-          </a:xfrm>
-          <a:prstGeom prst="roundRect">
-            <a:avLst>
-              <a:gd name="adj" fmla="val 1054"/>
-            </a:avLst>
-          </a:prstGeom>
-          <a:solidFill>
-            <a:srgbClr val="DCE6F2"/>
-          </a:solidFill>
-          <a:ln w="9525" cap="flat" cmpd="sng" algn="ctr">
-            <a:noFill/>
-            <a:prstDash val="solid"/>
-            <a:round/>
-            <a:headEnd type="none" w="med" len="med"/>
-            <a:tailEnd type="none" w="med" len="med"/>
-          </a:ln>
-        </p:spPr>
-        <p:style>
-          <a:lnRef idx="0">
-            <a:scrgbClr r="0" g="0" b="0"/>
-          </a:lnRef>
-          <a:fillRef idx="0">
-            <a:scrgbClr r="0" g="0" b="0"/>
-          </a:fillRef>
-          <a:effectRef idx="0">
-            <a:scrgbClr r="0" g="0" b="0"/>
-          </a:effectRef>
-          <a:fontRef idx="minor">
-            <a:schemeClr val="accent1"/>
-          </a:fontRef>
-        </p:style>
-        <p:txBody>
-          <a:bodyPr rtlCol="0" anchor="ctr"/>
-          <a:lstStyle/>
-          <a:p>
-            <a:pPr algn="ctr"/>
-            <a:endParaRPr lang="en-US" dirty="0">
-              <a:solidFill>
-                <a:srgbClr val="0070C0"/>
-              </a:solidFill>
-            </a:endParaRPr>
-          </a:p>
-        </p:txBody>
-      </p:sp>
-      <p:sp>
-        <p:nvSpPr>
           <p:cNvPr id="6" name="Rectangle 62">
             <a:extLst>
               <a:ext uri="{FF2B5EF4-FFF2-40B4-BE49-F238E27FC236}">
@@ -17789,7 +17746,7 @@
             <a:avLst/>
           </a:prstGeom>
           <a:solidFill>
-            <a:srgbClr val="31859C"/>
+            <a:srgbClr val="7030A0"/>
           </a:solidFill>
           <a:ln>
             <a:solidFill>
@@ -17863,7 +17820,7 @@
           </a:prstGeom>
           <a:ln w="19050">
             <a:solidFill>
-              <a:srgbClr val="31859C"/>
+              <a:srgbClr val="7030A0"/>
             </a:solidFill>
             <a:prstDash val="sysDash"/>
           </a:ln>
@@ -17905,7 +17862,7 @@
             <a:avLst/>
           </a:prstGeom>
           <a:solidFill>
-            <a:srgbClr val="31859C"/>
+            <a:srgbClr val="7030A0"/>
           </a:solidFill>
           <a:ln>
             <a:solidFill>
@@ -17970,7 +17927,7 @@
             <a:avLst/>
           </a:prstGeom>
           <a:solidFill>
-            <a:srgbClr val="31859C"/>
+            <a:srgbClr val="7030A0"/>
           </a:solidFill>
           <a:ln>
             <a:solidFill>
@@ -18035,7 +17992,7 @@
             <a:avLst/>
           </a:prstGeom>
           <a:solidFill>
-            <a:srgbClr val="31859C"/>
+            <a:srgbClr val="7030A0"/>
           </a:solidFill>
           <a:ln>
             <a:solidFill>
@@ -18103,7 +18060,7 @@
           </a:prstGeom>
           <a:ln w="19050">
             <a:solidFill>
-              <a:srgbClr val="31859C"/>
+              <a:srgbClr val="7030A0"/>
             </a:solidFill>
             <a:tailEnd type="triangle"/>
           </a:ln>
@@ -18144,7 +18101,7 @@
             <a:avLst/>
           </a:prstGeom>
           <a:solidFill>
-            <a:srgbClr val="31859C"/>
+            <a:srgbClr val="7030A0"/>
           </a:solidFill>
           <a:ln>
             <a:solidFill>
@@ -18209,7 +18166,7 @@
             <a:avLst/>
           </a:prstGeom>
           <a:solidFill>
-            <a:srgbClr val="31859C"/>
+            <a:srgbClr val="7030A0"/>
           </a:solidFill>
           <a:ln>
             <a:solidFill>
@@ -18277,7 +18234,7 @@
           </a:prstGeom>
           <a:ln w="19050">
             <a:solidFill>
-              <a:srgbClr val="31859C"/>
+              <a:srgbClr val="7030A0"/>
             </a:solidFill>
             <a:tailEnd type="triangle"/>
           </a:ln>
@@ -18321,7 +18278,7 @@
           </a:prstGeom>
           <a:ln w="19050">
             <a:solidFill>
-              <a:srgbClr val="31859C"/>
+              <a:srgbClr val="7030A0"/>
             </a:solidFill>
             <a:tailEnd type="triangle"/>
           </a:ln>
@@ -18404,7 +18361,7 @@
           </a:prstGeom>
           <a:ln w="19050">
             <a:solidFill>
-              <a:srgbClr val="31859C"/>
+              <a:srgbClr val="7030A0"/>
             </a:solidFill>
             <a:tailEnd type="triangle"/>
           </a:ln>
@@ -18454,7 +18411,7 @@
             <a:r>
               <a:rPr lang="en-US" sz="700" dirty="0">
                 <a:solidFill>
-                  <a:srgbClr val="31859C"/>
+                  <a:srgbClr val="7030A0"/>
                 </a:solidFill>
               </a:rPr>
               <a:t>createGroupWithout</a:t>
@@ -18464,7 +18421,7 @@
             <a:r>
               <a:rPr lang="en-US" sz="700" dirty="0">
                 <a:solidFill>
-                  <a:srgbClr val="31859C"/>
+                  <a:srgbClr val="7030A0"/>
                 </a:solidFill>
               </a:rPr>
               <a:t>Commit(grp, mdl)</a:t>
@@ -18472,20 +18429,20 @@
             <a:br>
               <a:rPr lang="en-US" sz="700" dirty="0">
                 <a:solidFill>
-                  <a:srgbClr val="31859C"/>
+                  <a:srgbClr val="7030A0"/>
                 </a:solidFill>
               </a:rPr>
             </a:br>
             <a:endParaRPr lang="en-US" sz="700" dirty="0">
               <a:solidFill>
-                <a:srgbClr val="31859C"/>
+                <a:srgbClr val="7030A0"/>
               </a:solidFill>
             </a:endParaRPr>
           </a:p>
           <a:p>
             <a:endParaRPr lang="en-US" sz="700" dirty="0">
               <a:solidFill>
-                <a:srgbClr val="31859C"/>
+                <a:srgbClr val="7030A0"/>
               </a:solidFill>
             </a:endParaRPr>
           </a:p>
@@ -18632,7 +18589,7 @@
           </a:prstGeom>
           <a:ln w="19050">
             <a:solidFill>
-              <a:srgbClr val="31859C"/>
+              <a:srgbClr val="7030A0"/>
             </a:solidFill>
             <a:prstDash val="sysDash"/>
             <a:headEnd type="arrow" w="med" len="med"/>
@@ -19296,7 +19253,7 @@
           </a:prstGeom>
           <a:ln w="19050">
             <a:solidFill>
-              <a:srgbClr val="31859C"/>
+              <a:srgbClr val="7030A0"/>
             </a:solidFill>
             <a:prstDash val="sysDash"/>
             <a:headEnd type="arrow" w="med" len="med"/>
@@ -19469,7 +19426,7 @@
           </a:prstGeom>
           <a:ln w="19050">
             <a:solidFill>
-              <a:srgbClr val="31859C"/>
+              <a:srgbClr val="7030A0"/>
             </a:solidFill>
             <a:prstDash val="sysDash"/>
             <a:headEnd type="arrow" w="med" len="med"/>
@@ -19515,7 +19472,7 @@
           </a:prstGeom>
           <a:ln w="19050">
             <a:solidFill>
-              <a:srgbClr val="31859C"/>
+              <a:srgbClr val="7030A0"/>
             </a:solidFill>
             <a:prstDash val="sysDash"/>
             <a:headEnd type="arrow" w="med" len="med"/>
@@ -20826,45 +20783,6 @@
       </p:cxnSp>
       <p:sp>
         <p:nvSpPr>
-          <p:cNvPr id="104" name="Rectangle 103">
-            <a:extLst>
-              <a:ext uri="{FF2B5EF4-FFF2-40B4-BE49-F238E27FC236}">
-                <a16:creationId xmlns:a16="http://schemas.microsoft.com/office/drawing/2014/main" id="{6C5E845D-7BD0-4565-89A5-8AC3C81F8D42}"/>
-              </a:ext>
-            </a:extLst>
-          </p:cNvPr>
-          <p:cNvSpPr/>
-          <p:nvPr/>
-        </p:nvSpPr>
-        <p:spPr>
-          <a:xfrm>
-            <a:off x="3105126" y="72386"/>
-            <a:ext cx="827471" cy="276999"/>
-          </a:xfrm>
-          <a:prstGeom prst="rect">
-            <a:avLst/>
-          </a:prstGeom>
-        </p:spPr>
-        <p:txBody>
-          <a:bodyPr wrap="square">
-            <a:spAutoFit/>
-          </a:bodyPr>
-          <a:lstStyle/>
-          <a:p>
-            <a:pPr algn="ctr"/>
-            <a:r>
-              <a:rPr lang="en-US" sz="1200" b="1" dirty="0">
-                <a:solidFill>
-                  <a:srgbClr val="31859C"/>
-                </a:solidFill>
-              </a:rPr>
-              <a:t>Commons</a:t>
-            </a:r>
-          </a:p>
-        </p:txBody>
-      </p:sp>
-      <p:sp>
-        <p:nvSpPr>
           <p:cNvPr id="196" name="Rectangle 62">
             <a:extLst>
               <a:ext uri="{FF2B5EF4-FFF2-40B4-BE49-F238E27FC236}">
@@ -20884,11 +20802,11 @@
             <a:avLst/>
           </a:prstGeom>
           <a:solidFill>
-            <a:srgbClr val="0070C0"/>
+            <a:srgbClr val="7030A0"/>
           </a:solidFill>
           <a:ln w="19050">
             <a:solidFill>
-              <a:srgbClr val="0070C0"/>
+              <a:srgbClr val="7030A0"/>
             </a:solidFill>
           </a:ln>
           <a:effectLst/>
@@ -20958,7 +20876,7 @@
           </a:prstGeom>
           <a:ln w="19050">
             <a:solidFill>
-              <a:srgbClr val="0070C0"/>
+              <a:srgbClr val="7030A0"/>
             </a:solidFill>
             <a:prstDash val="sysDash"/>
           </a:ln>
@@ -21000,11 +20918,11 @@
             <a:avLst/>
           </a:prstGeom>
           <a:solidFill>
-            <a:srgbClr val="0070C0"/>
+            <a:srgbClr val="7030A0"/>
           </a:solidFill>
           <a:ln>
             <a:solidFill>
-              <a:srgbClr val="0070C0"/>
+              <a:srgbClr val="7030A0"/>
             </a:solidFill>
           </a:ln>
           <a:effectLst/>
@@ -21057,7 +20975,7 @@
             <a:avLst/>
           </a:prstGeom>
           <a:solidFill>
-            <a:srgbClr val="0070C0"/>
+            <a:srgbClr val="7030A0"/>
           </a:solidFill>
           <a:ln>
             <a:solidFill>
@@ -21122,7 +21040,7 @@
             <a:avLst/>
           </a:prstGeom>
           <a:solidFill>
-            <a:srgbClr val="0070C0"/>
+            <a:srgbClr val="7030A0"/>
           </a:solidFill>
           <a:ln>
             <a:solidFill>
@@ -21182,7 +21100,7 @@
             <a:avLst/>
           </a:prstGeom>
           <a:solidFill>
-            <a:srgbClr val="0070C0"/>
+            <a:srgbClr val="7030A0"/>
           </a:solidFill>
           <a:ln>
             <a:solidFill>
@@ -21252,7 +21170,7 @@
             <a:r>
               <a:rPr lang="en-US" sz="800" dirty="0">
                 <a:solidFill>
-                  <a:srgbClr val="0070C0"/>
+                  <a:srgbClr val="7030A0"/>
                 </a:solidFill>
               </a:rPr>
               <a:t>[g/0 &amp;&amp; nat/0]</a:t>
@@ -21286,6 +21204,9 @@
             </a:avLst>
           </a:prstGeom>
           <a:ln>
+            <a:solidFill>
+              <a:srgbClr val="7030A0"/>
+            </a:solidFill>
             <a:tailEnd type="triangle"/>
           </a:ln>
         </p:spPr>
@@ -21335,7 +21256,7 @@
             <a:r>
               <a:rPr lang="en-US" sz="800" dirty="0">
                 <a:solidFill>
-                  <a:srgbClr val="0070C0"/>
+                  <a:srgbClr val="7030A0"/>
                 </a:solidFill>
               </a:rPr>
               <a:t>[g/0 &amp;&amp; nat/1]</a:t>
@@ -21369,6 +21290,9 @@
             </a:avLst>
           </a:prstGeom>
           <a:ln>
+            <a:solidFill>
+              <a:srgbClr val="7030A0"/>
+            </a:solidFill>
             <a:tailEnd type="triangle"/>
           </a:ln>
         </p:spPr>
@@ -21418,7 +21342,7 @@
             <a:r>
               <a:rPr lang="en-US" sz="800" dirty="0">
                 <a:solidFill>
-                  <a:srgbClr val="0070C0"/>
+                  <a:srgbClr val="7030A0"/>
                 </a:solidFill>
               </a:rPr>
               <a:t>[g/1 &amp;&amp; nat/0]</a:t>
@@ -21452,6 +21376,9 @@
             </a:avLst>
           </a:prstGeom>
           <a:ln>
+            <a:solidFill>
+              <a:srgbClr val="7030A0"/>
+            </a:solidFill>
             <a:tailEnd type="triangle"/>
           </a:ln>
         </p:spPr>
@@ -21501,7 +21428,7 @@
             <a:r>
               <a:rPr lang="en-US" sz="800" dirty="0">
                 <a:solidFill>
-                  <a:srgbClr val="0070C0"/>
+                  <a:srgbClr val="7030A0"/>
                 </a:solidFill>
               </a:rPr>
               <a:t>normalDistribution(a, b, c ,d)</a:t>
@@ -21540,7 +21467,7 @@
             <a:r>
               <a:rPr lang="en-US" sz="800" dirty="0">
                 <a:solidFill>
-                  <a:srgbClr val="0070C0"/>
+                  <a:srgbClr val="7030A0"/>
                 </a:solidFill>
               </a:rPr>
               <a:t>nationalityDistribution(a, b, c, d)</a:t>
@@ -21579,7 +21506,7 @@
             <a:r>
               <a:rPr lang="en-US" sz="800" dirty="0">
                 <a:solidFill>
-                  <a:srgbClr val="0070C0"/>
+                  <a:srgbClr val="7030A0"/>
                 </a:solidFill>
               </a:rPr>
               <a:t>genderDistribution(a, b, c, d)</a:t>
@@ -21682,7 +21609,7 @@
               <a:r>
                 <a:rPr lang="en-SG" sz="1100" dirty="0">
                   <a:solidFill>
-                    <a:srgbClr val="0070C0"/>
+                    <a:srgbClr val="7030A0"/>
                   </a:solidFill>
                 </a:rPr>
                 <a:t>a = numOfGroups</a:t>
@@ -21692,7 +21619,7 @@
               <a:r>
                 <a:rPr lang="en-SG" sz="1100" dirty="0">
                   <a:solidFill>
-                    <a:srgbClr val="0070C0"/>
+                    <a:srgbClr val="7030A0"/>
                   </a:solidFill>
                 </a:rPr>
                 <a:t>b = groupArrayList</a:t>
@@ -21702,7 +21629,7 @@
               <a:r>
                 <a:rPr lang="en-SG" sz="1100" dirty="0">
                   <a:solidFill>
-                    <a:srgbClr val="0070C0"/>
+                    <a:srgbClr val="7030A0"/>
                   </a:solidFill>
                 </a:rPr>
                 <a:t>c = personLinkedList</a:t>
@@ -21712,7 +21639,7 @@
               <a:r>
                 <a:rPr lang="en-SG" sz="1100" dirty="0">
                   <a:solidFill>
-                    <a:srgbClr val="0070C0"/>
+                    <a:srgbClr val="7030A0"/>
                   </a:solidFill>
                 </a:rPr>
                 <a:t>d = groupName</a:t>
@@ -21722,7 +21649,7 @@
               <a:r>
                 <a:rPr lang="en-US" sz="1100" dirty="0">
                   <a:solidFill>
-                    <a:srgbClr val="0070C0"/>
+                    <a:srgbClr val="7030A0"/>
                   </a:solidFill>
                 </a:rPr>
                 <a:t>e</a:t>
@@ -21730,7 +21657,7 @@
               <a:r>
                 <a:rPr lang="en-SG" sz="1100" dirty="0">
                   <a:solidFill>
-                    <a:srgbClr val="0070C0"/>
+                    <a:srgbClr val="7030A0"/>
                   </a:solidFill>
                 </a:rPr>
                 <a:t> = nationality</a:t>
@@ -21740,7 +21667,7 @@
               <a:r>
                 <a:rPr lang="en-US" sz="1100" dirty="0">
                   <a:solidFill>
-                    <a:srgbClr val="0070C0"/>
+                    <a:srgbClr val="7030A0"/>
                   </a:solidFill>
                 </a:rPr>
                 <a:t>g = genderLinkedList</a:t>
@@ -21750,7 +21677,7 @@
               <a:r>
                 <a:rPr lang="en-US" sz="1100" dirty="0">
                   <a:solidFill>
-                    <a:srgbClr val="0070C0"/>
+                    <a:srgbClr val="7030A0"/>
                   </a:solidFill>
                 </a:rPr>
                 <a:t>M = “MALE”</a:t>
@@ -21760,7 +21687,7 @@
               <a:r>
                 <a:rPr lang="en-US" sz="1100" dirty="0">
                   <a:solidFill>
-                    <a:srgbClr val="0070C0"/>
+                    <a:srgbClr val="7030A0"/>
                   </a:solidFill>
                 </a:rPr>
                 <a:t>F = “FEMALE”</a:t>
@@ -21770,7 +21697,7 @@
               <a:r>
                 <a:rPr lang="en-US" sz="1100" dirty="0">
                   <a:solidFill>
-                    <a:srgbClr val="0070C0"/>
+                    <a:srgbClr val="7030A0"/>
                   </a:solidFill>
                 </a:rPr>
                 <a:t>grp = group</a:t>
@@ -21780,7 +21707,7 @@
               <a:r>
                 <a:rPr lang="en-US" sz="1100" dirty="0">
                   <a:solidFill>
-                    <a:srgbClr val="0070C0"/>
+                    <a:srgbClr val="7030A0"/>
                   </a:solidFill>
                 </a:rPr>
                 <a:t>agrp = addgroup</a:t>
@@ -21790,14 +21717,14 @@
               <a:r>
                 <a:rPr lang="en-US" sz="1100" dirty="0">
                   <a:solidFill>
-                    <a:srgbClr val="0070C0"/>
+                    <a:srgbClr val="7030A0"/>
                   </a:solidFill>
                 </a:rPr>
                 <a:t>mdl = model</a:t>
               </a:r>
               <a:endParaRPr lang="en-SG" sz="1100" dirty="0">
                 <a:solidFill>
-                  <a:srgbClr val="0070C0"/>
+                  <a:srgbClr val="7030A0"/>
                 </a:solidFill>
               </a:endParaRPr>
             </a:p>
@@ -21828,7 +21755,7 @@
           </a:prstGeom>
           <a:ln w="19050">
             <a:solidFill>
-              <a:srgbClr val="0070C0"/>
+              <a:srgbClr val="7030A0"/>
             </a:solidFill>
             <a:tailEnd type="arrow"/>
           </a:ln>
@@ -21872,7 +21799,7 @@
           </a:prstGeom>
           <a:ln w="19050">
             <a:solidFill>
-              <a:srgbClr val="0070C0"/>
+              <a:srgbClr val="7030A0"/>
             </a:solidFill>
             <a:prstDash val="sysDash"/>
             <a:headEnd type="arrow" w="med" len="med"/>
@@ -21918,7 +21845,7 @@
           </a:prstGeom>
           <a:ln w="19050">
             <a:solidFill>
-              <a:srgbClr val="0070C0"/>
+              <a:srgbClr val="7030A0"/>
             </a:solidFill>
             <a:tailEnd type="arrow"/>
           </a:ln>
@@ -21962,7 +21889,7 @@
           </a:prstGeom>
           <a:ln w="19050">
             <a:solidFill>
-              <a:srgbClr val="0070C0"/>
+              <a:srgbClr val="7030A0"/>
             </a:solidFill>
             <a:tailEnd type="arrow"/>
           </a:ln>
@@ -22012,7 +21939,7 @@
             <a:r>
               <a:rPr lang="en-US" sz="700" dirty="0">
                 <a:solidFill>
-                  <a:srgbClr val="31859C"/>
+                  <a:srgbClr val="7030A0"/>
                 </a:solidFill>
               </a:rPr>
               <a:t>distributionProcess(b ,d)</a:t>
@@ -22050,7 +21977,7 @@
             <a:r>
               <a:rPr lang="en-US" sz="700" dirty="0">
                 <a:solidFill>
-                  <a:srgbClr val="31859C"/>
+                  <a:srgbClr val="7030A0"/>
                 </a:solidFill>
               </a:rPr>
               <a:t>createNationalityMap(c)</a:t>
@@ -22082,7 +22009,7 @@
           </a:prstGeom>
           <a:ln w="19050">
             <a:solidFill>
-              <a:srgbClr val="0070C0"/>
+              <a:srgbClr val="7030A0"/>
             </a:solidFill>
             <a:prstDash val="sysDash"/>
             <a:headEnd type="arrow" w="med" len="med"/>
@@ -22134,7 +22061,7 @@
             <a:r>
               <a:rPr lang="en-US" sz="700" dirty="0">
                 <a:solidFill>
-                  <a:srgbClr val="31859C"/>
+                  <a:srgbClr val="7030A0"/>
                 </a:solidFill>
               </a:rPr>
               <a:t>findPerson(e, c)</a:t>
@@ -22172,7 +22099,7 @@
             <a:r>
               <a:rPr lang="en-US" sz="650" dirty="0">
                 <a:solidFill>
-                  <a:srgbClr val="31859C"/>
+                  <a:srgbClr val="7030A0"/>
                 </a:solidFill>
               </a:rPr>
               <a:t>selectiveDistributionByNationality(e, c)</a:t>
@@ -22210,7 +22137,7 @@
             <a:r>
               <a:rPr lang="en-US" sz="700" dirty="0">
                 <a:solidFill>
-                  <a:srgbClr val="31859C"/>
+                  <a:srgbClr val="7030A0"/>
                 </a:solidFill>
               </a:rPr>
               <a:t>selectiveDistributionByGender(e, c)</a:t>
@@ -22344,9 +22271,9 @@
           <p:nvPr/>
         </p:nvCxnSpPr>
         <p:spPr>
-          <a:xfrm>
-            <a:off x="129818" y="2623597"/>
-            <a:ext cx="2377174" cy="12864"/>
+          <a:xfrm flipV="1">
+            <a:off x="129818" y="2623352"/>
+            <a:ext cx="2472367" cy="245"/>
           </a:xfrm>
           <a:prstGeom prst="line">
             <a:avLst/>
@@ -22441,7 +22368,7 @@
           </a:prstGeom>
           <a:ln w="19050">
             <a:solidFill>
-              <a:srgbClr val="0070C0"/>
+              <a:srgbClr val="7030A0"/>
             </a:solidFill>
             <a:prstDash val="sysDash"/>
             <a:headEnd type="arrow" w="med" len="med"/>
@@ -22487,7 +22414,7 @@
           </a:prstGeom>
           <a:ln w="19050">
             <a:solidFill>
-              <a:srgbClr val="0070C0"/>
+              <a:srgbClr val="7030A0"/>
             </a:solidFill>
             <a:tailEnd type="arrow"/>
           </a:ln>
@@ -22531,7 +22458,7 @@
           </a:prstGeom>
           <a:ln w="19050">
             <a:solidFill>
-              <a:srgbClr val="0070C0"/>
+              <a:srgbClr val="7030A0"/>
             </a:solidFill>
             <a:tailEnd type="arrow"/>
           </a:ln>
@@ -22572,7 +22499,7 @@
             <a:avLst/>
           </a:prstGeom>
           <a:solidFill>
-            <a:srgbClr val="31859C"/>
+            <a:srgbClr val="7030A0"/>
           </a:solidFill>
           <a:ln>
             <a:solidFill>
@@ -22640,7 +22567,7 @@
           </a:prstGeom>
           <a:ln w="19050">
             <a:solidFill>
-              <a:srgbClr val="0070C0"/>
+              <a:srgbClr val="7030A0"/>
             </a:solidFill>
             <a:tailEnd type="arrow"/>
           </a:ln>
@@ -22681,7 +22608,7 @@
             <a:avLst/>
           </a:prstGeom>
           <a:solidFill>
-            <a:srgbClr val="31859C"/>
+            <a:srgbClr val="7030A0"/>
           </a:solidFill>
           <a:ln>
             <a:solidFill>
@@ -22749,7 +22676,7 @@
           </a:prstGeom>
           <a:ln w="19050">
             <a:solidFill>
-              <a:srgbClr val="0070C0"/>
+              <a:srgbClr val="7030A0"/>
             </a:solidFill>
             <a:tailEnd type="arrow"/>
           </a:ln>
@@ -22790,7 +22717,7 @@
             <a:avLst/>
           </a:prstGeom>
           <a:solidFill>
-            <a:srgbClr val="31859C"/>
+            <a:srgbClr val="7030A0"/>
           </a:solidFill>
           <a:ln>
             <a:solidFill>
@@ -22858,7 +22785,7 @@
           </a:prstGeom>
           <a:ln w="19050">
             <a:solidFill>
-              <a:srgbClr val="0070C0"/>
+              <a:srgbClr val="7030A0"/>
             </a:solidFill>
             <a:tailEnd type="arrow"/>
           </a:ln>
@@ -22899,7 +22826,7 @@
             <a:avLst/>
           </a:prstGeom>
           <a:solidFill>
-            <a:srgbClr val="31859C"/>
+            <a:srgbClr val="7030A0"/>
           </a:solidFill>
           <a:ln>
             <a:solidFill>
@@ -22967,7 +22894,7 @@
           </a:prstGeom>
           <a:ln w="19050">
             <a:solidFill>
-              <a:srgbClr val="0070C0"/>
+              <a:srgbClr val="7030A0"/>
             </a:solidFill>
             <a:tailEnd type="arrow"/>
           </a:ln>
@@ -23008,7 +22935,7 @@
             <a:avLst/>
           </a:prstGeom>
           <a:solidFill>
-            <a:srgbClr val="31859C"/>
+            <a:srgbClr val="7030A0"/>
           </a:solidFill>
           <a:ln>
             <a:solidFill>
@@ -23076,7 +23003,7 @@
           </a:prstGeom>
           <a:ln w="19050">
             <a:solidFill>
-              <a:srgbClr val="0070C0"/>
+              <a:srgbClr val="7030A0"/>
             </a:solidFill>
             <a:tailEnd type="arrow"/>
           </a:ln>
@@ -23117,7 +23044,7 @@
             <a:avLst/>
           </a:prstGeom>
           <a:solidFill>
-            <a:srgbClr val="31859C"/>
+            <a:srgbClr val="7030A0"/>
           </a:solidFill>
           <a:ln>
             <a:solidFill>
@@ -23185,7 +23112,7 @@
           </a:prstGeom>
           <a:ln w="19050">
             <a:solidFill>
-              <a:srgbClr val="0070C0"/>
+              <a:srgbClr val="7030A0"/>
             </a:solidFill>
             <a:tailEnd type="arrow"/>
           </a:ln>
@@ -23235,7 +23162,7 @@
             <a:r>
               <a:rPr lang="en-US" sz="700" dirty="0">
                 <a:solidFill>
-                  <a:srgbClr val="31859C"/>
+                  <a:srgbClr val="7030A0"/>
                 </a:solidFill>
               </a:rPr>
               <a:t>distributionProcess(b ,d)</a:t>
@@ -23273,7 +23200,7 @@
             <a:r>
               <a:rPr lang="en-US" sz="700" dirty="0">
                 <a:solidFill>
-                  <a:srgbClr val="31859C"/>
+                  <a:srgbClr val="7030A0"/>
                 </a:solidFill>
               </a:rPr>
               <a:t>distributionProcess(b ,d)</a:t>
@@ -23311,7 +23238,7 @@
             <a:r>
               <a:rPr lang="en-US" sz="700" dirty="0">
                 <a:solidFill>
-                  <a:srgbClr val="31859C"/>
+                  <a:srgbClr val="7030A0"/>
                 </a:solidFill>
               </a:rPr>
               <a:t>filterGender(c, g, M)</a:t>
@@ -23349,7 +23276,7 @@
             <a:r>
               <a:rPr lang="en-US" sz="700" dirty="0">
                 <a:solidFill>
-                  <a:srgbClr val="31859C"/>
+                  <a:srgbClr val="7030A0"/>
                 </a:solidFill>
               </a:rPr>
               <a:t>filterGender(c, g, F)</a:t>
@@ -23387,7 +23314,7 @@
             <a:r>
               <a:rPr lang="en-US" sz="700" dirty="0">
                 <a:solidFill>
-                  <a:srgbClr val="31859C"/>
+                  <a:srgbClr val="7030A0"/>
                 </a:solidFill>
               </a:rPr>
               <a:t>selectiveDistributionByGender(e, c)</a:t>
@@ -23409,8 +23336,8 @@
         </p:nvSpPr>
         <p:spPr>
           <a:xfrm>
-            <a:off x="-26442" y="13659"/>
-            <a:ext cx="510076" cy="276999"/>
+            <a:off x="-26443" y="13659"/>
+            <a:ext cx="808425" cy="276999"/>
           </a:xfrm>
           <a:prstGeom prst="rect">
             <a:avLst/>
@@ -23426,10 +23353,10 @@
             <a:r>
               <a:rPr lang="en-US" sz="1200" b="1" dirty="0">
                 <a:solidFill>
-                  <a:srgbClr val="0070C0"/>
+                  <a:srgbClr val="7030A0"/>
                 </a:solidFill>
               </a:rPr>
-              <a:t>Logic</a:t>
+              <a:t>Model</a:t>
             </a:r>
           </a:p>
         </p:txBody>
@@ -23464,7 +23391,7 @@
             <a:r>
               <a:rPr lang="en-US" sz="700" dirty="0">
                 <a:solidFill>
-                  <a:srgbClr val="0070C0"/>
+                  <a:srgbClr val="7030A0"/>
                 </a:solidFill>
               </a:rPr>
               <a:t>addPersonIntoGroup</a:t>
@@ -23474,7 +23401,7 @@
             <a:r>
               <a:rPr lang="en-US" sz="700" dirty="0">
                 <a:solidFill>
-                  <a:srgbClr val="0070C0"/>
+                  <a:srgbClr val="7030A0"/>
                 </a:solidFill>
               </a:rPr>
               <a:t>WithoutCommit</a:t>
@@ -23484,7 +23411,7 @@
             <a:r>
               <a:rPr lang="en-US" sz="700" dirty="0">
                 <a:solidFill>
-                  <a:srgbClr val="0070C0"/>
+                  <a:srgbClr val="7030A0"/>
                 </a:solidFill>
               </a:rPr>
               <a:t> (agrp, mdl)</a:t>
@@ -23492,20 +23419,20 @@
             <a:br>
               <a:rPr lang="en-US" sz="700" dirty="0">
                 <a:solidFill>
-                  <a:srgbClr val="0070C0"/>
+                  <a:srgbClr val="7030A0"/>
                 </a:solidFill>
               </a:rPr>
             </a:br>
             <a:endParaRPr lang="en-US" sz="700" dirty="0">
               <a:solidFill>
-                <a:srgbClr val="0070C0"/>
+                <a:srgbClr val="7030A0"/>
               </a:solidFill>
             </a:endParaRPr>
           </a:p>
           <a:p>
             <a:endParaRPr lang="en-US" sz="700" dirty="0">
               <a:solidFill>
-                <a:srgbClr val="0070C0"/>
+                <a:srgbClr val="7030A0"/>
               </a:solidFill>
             </a:endParaRPr>
           </a:p>
@@ -23576,7 +23503,7 @@
           </a:prstGeom>
           <a:ln w="19050">
             <a:solidFill>
-              <a:srgbClr val="31859C"/>
+              <a:srgbClr val="7030A0"/>
             </a:solidFill>
             <a:prstDash val="sysDash"/>
             <a:headEnd type="arrow" w="med" len="med"/>
@@ -24671,7 +24598,7 @@
           </a:prstGeom>
           <a:ln w="19050">
             <a:solidFill>
-              <a:srgbClr val="31859C"/>
+              <a:srgbClr val="7030A0"/>
             </a:solidFill>
             <a:tailEnd type="triangle"/>
           </a:ln>
@@ -24715,7 +24642,7 @@
           </a:prstGeom>
           <a:ln w="19050">
             <a:solidFill>
-              <a:srgbClr val="31859C"/>
+              <a:srgbClr val="7030A0"/>
             </a:solidFill>
             <a:tailEnd type="triangle"/>
           </a:ln>
@@ -24759,7 +24686,7 @@
           </a:prstGeom>
           <a:ln w="19050">
             <a:solidFill>
-              <a:srgbClr val="31859C"/>
+              <a:srgbClr val="7030A0"/>
             </a:solidFill>
             <a:prstDash val="sysDash"/>
             <a:headEnd type="arrow" w="med" len="med"/>
@@ -24811,7 +24738,7 @@
             <a:r>
               <a:rPr lang="en-US" sz="700" dirty="0">
                 <a:solidFill>
-                  <a:srgbClr val="31859C"/>
+                  <a:srgbClr val="7030A0"/>
                 </a:solidFill>
               </a:rPr>
               <a:t>createGroupWithout</a:t>
@@ -24821,7 +24748,7 @@
             <a:r>
               <a:rPr lang="en-US" sz="700" dirty="0">
                 <a:solidFill>
-                  <a:srgbClr val="31859C"/>
+                  <a:srgbClr val="7030A0"/>
                 </a:solidFill>
               </a:rPr>
               <a:t>Commit(grp, mdl)</a:t>
@@ -24829,20 +24756,20 @@
             <a:br>
               <a:rPr lang="en-US" sz="700" dirty="0">
                 <a:solidFill>
-                  <a:srgbClr val="31859C"/>
+                  <a:srgbClr val="7030A0"/>
                 </a:solidFill>
               </a:rPr>
             </a:br>
             <a:endParaRPr lang="en-US" sz="700" dirty="0">
               <a:solidFill>
-                <a:srgbClr val="31859C"/>
+                <a:srgbClr val="7030A0"/>
               </a:solidFill>
             </a:endParaRPr>
           </a:p>
           <a:p>
             <a:endParaRPr lang="en-US" sz="700" dirty="0">
               <a:solidFill>
-                <a:srgbClr val="31859C"/>
+                <a:srgbClr val="7030A0"/>
               </a:solidFill>
             </a:endParaRPr>
           </a:p>
@@ -24879,7 +24806,7 @@
             <a:r>
               <a:rPr lang="en-US" sz="700" dirty="0">
                 <a:solidFill>
-                  <a:srgbClr val="0070C0"/>
+                  <a:srgbClr val="7030A0"/>
                 </a:solidFill>
               </a:rPr>
               <a:t>createGroupWithout</a:t>
@@ -24889,7 +24816,7 @@
             <a:r>
               <a:rPr lang="en-US" sz="700" dirty="0">
                 <a:solidFill>
-                  <a:srgbClr val="0070C0"/>
+                  <a:srgbClr val="7030A0"/>
                 </a:solidFill>
               </a:rPr>
               <a:t>Commit(grp, mdl)</a:t>
@@ -24897,20 +24824,20 @@
             <a:br>
               <a:rPr lang="en-US" sz="700" dirty="0">
                 <a:solidFill>
-                  <a:srgbClr val="0070C0"/>
+                  <a:srgbClr val="7030A0"/>
                 </a:solidFill>
               </a:rPr>
             </a:br>
             <a:endParaRPr lang="en-US" sz="700" dirty="0">
               <a:solidFill>
-                <a:srgbClr val="0070C0"/>
+                <a:srgbClr val="7030A0"/>
               </a:solidFill>
             </a:endParaRPr>
           </a:p>
           <a:p>
             <a:endParaRPr lang="en-US" sz="700" dirty="0">
               <a:solidFill>
-                <a:srgbClr val="0070C0"/>
+                <a:srgbClr val="7030A0"/>
               </a:solidFill>
             </a:endParaRPr>
           </a:p>
@@ -24946,7 +24873,7 @@
             <a:r>
               <a:rPr lang="en-US" sz="700" dirty="0">
                 <a:solidFill>
-                  <a:srgbClr val="0070C0"/>
+                  <a:srgbClr val="7030A0"/>
                 </a:solidFill>
               </a:rPr>
               <a:t>addPersonIntoGroup</a:t>
@@ -24956,7 +24883,7 @@
             <a:r>
               <a:rPr lang="en-US" sz="700" dirty="0">
                 <a:solidFill>
-                  <a:srgbClr val="0070C0"/>
+                  <a:srgbClr val="7030A0"/>
                 </a:solidFill>
               </a:rPr>
               <a:t>WithoutCommit</a:t>
@@ -24966,7 +24893,7 @@
             <a:r>
               <a:rPr lang="en-US" sz="700" dirty="0">
                 <a:solidFill>
-                  <a:srgbClr val="0070C0"/>
+                  <a:srgbClr val="7030A0"/>
                 </a:solidFill>
               </a:rPr>
               <a:t> (agrp, mdl)</a:t>
@@ -24974,20 +24901,20 @@
             <a:br>
               <a:rPr lang="en-US" sz="700" dirty="0">
                 <a:solidFill>
-                  <a:srgbClr val="0070C0"/>
+                  <a:srgbClr val="7030A0"/>
                 </a:solidFill>
               </a:rPr>
             </a:br>
             <a:endParaRPr lang="en-US" sz="700" dirty="0">
               <a:solidFill>
-                <a:srgbClr val="0070C0"/>
+                <a:srgbClr val="7030A0"/>
               </a:solidFill>
             </a:endParaRPr>
           </a:p>
           <a:p>
             <a:endParaRPr lang="en-US" sz="700" dirty="0">
               <a:solidFill>
-                <a:srgbClr val="0070C0"/>
+                <a:srgbClr val="7030A0"/>
               </a:solidFill>
             </a:endParaRPr>
           </a:p>
@@ -25023,7 +24950,7 @@
             <a:r>
               <a:rPr lang="en-US" sz="700" dirty="0">
                 <a:solidFill>
-                  <a:srgbClr val="0070C0"/>
+                  <a:srgbClr val="7030A0"/>
                 </a:solidFill>
               </a:rPr>
               <a:t>addPersonIntoGroup</a:t>
@@ -25033,7 +24960,7 @@
             <a:r>
               <a:rPr lang="en-US" sz="700" dirty="0">
                 <a:solidFill>
-                  <a:srgbClr val="0070C0"/>
+                  <a:srgbClr val="7030A0"/>
                 </a:solidFill>
               </a:rPr>
               <a:t>WithoutCommit</a:t>
@@ -25043,7 +24970,7 @@
             <a:r>
               <a:rPr lang="en-US" sz="700" dirty="0">
                 <a:solidFill>
-                  <a:srgbClr val="0070C0"/>
+                  <a:srgbClr val="7030A0"/>
                 </a:solidFill>
               </a:rPr>
               <a:t> (agrp, mdl)</a:t>
@@ -25051,20 +24978,20 @@
             <a:br>
               <a:rPr lang="en-US" sz="700" dirty="0">
                 <a:solidFill>
-                  <a:srgbClr val="0070C0"/>
+                  <a:srgbClr val="7030A0"/>
                 </a:solidFill>
               </a:rPr>
             </a:br>
             <a:endParaRPr lang="en-US" sz="700" dirty="0">
               <a:solidFill>
-                <a:srgbClr val="0070C0"/>
+                <a:srgbClr val="7030A0"/>
               </a:solidFill>
             </a:endParaRPr>
           </a:p>
           <a:p>
             <a:endParaRPr lang="en-US" sz="700" dirty="0">
               <a:solidFill>
-                <a:srgbClr val="0070C0"/>
+                <a:srgbClr val="7030A0"/>
               </a:solidFill>
             </a:endParaRPr>
           </a:p>
